--- a/Entrega03.pptx
+++ b/Entrega03.pptx
@@ -123,6 +123,51 @@
 </p:presentation>
 </file>
 
+<file path=ppt/changesInfos/changesInfo1.xml><?xml version="1.0" encoding="utf-8"?>
+<pc:chgInfo xmlns:a="http://schemas.openxmlformats.org/drawingml/2006/main" xmlns:r="http://schemas.openxmlformats.org/officeDocument/2006/relationships" xmlns:ac="http://schemas.microsoft.com/office/drawing/2013/main/command" xmlns:pc="http://schemas.microsoft.com/office/powerpoint/2013/main/command">
+  <pc:docChgLst>
+    <pc:chgData name="Gabriel Francato" userId="3af3e02e9cba9d2e" providerId="LiveId" clId="{983F37F2-E5EB-4BD1-97B2-4D1FCA9A9531}"/>
+    <pc:docChg chg="custSel modSld">
+      <pc:chgData name="Gabriel Francato" userId="3af3e02e9cba9d2e" providerId="LiveId" clId="{983F37F2-E5EB-4BD1-97B2-4D1FCA9A9531}" dt="2017-09-06T00:57:24.202" v="5" actId="1076"/>
+      <pc:docMkLst>
+        <pc:docMk/>
+      </pc:docMkLst>
+      <pc:sldChg chg="addSp delSp modSp">
+        <pc:chgData name="Gabriel Francato" userId="3af3e02e9cba9d2e" providerId="LiveId" clId="{983F37F2-E5EB-4BD1-97B2-4D1FCA9A9531}" dt="2017-09-06T00:57:24.202" v="5" actId="1076"/>
+        <pc:sldMkLst>
+          <pc:docMk/>
+          <pc:sldMk cId="239281794" sldId="261"/>
+        </pc:sldMkLst>
+        <pc:spChg chg="del">
+          <ac:chgData name="Gabriel Francato" userId="3af3e02e9cba9d2e" providerId="LiveId" clId="{983F37F2-E5EB-4BD1-97B2-4D1FCA9A9531}" dt="2017-09-06T00:57:15.093" v="1"/>
+          <ac:spMkLst>
+            <pc:docMk/>
+            <pc:sldMk cId="239281794" sldId="261"/>
+            <ac:spMk id="4" creationId="{00000000-0000-0000-0000-000000000000}"/>
+          </ac:spMkLst>
+        </pc:spChg>
+        <pc:spChg chg="del">
+          <ac:chgData name="Gabriel Francato" userId="3af3e02e9cba9d2e" providerId="LiveId" clId="{983F37F2-E5EB-4BD1-97B2-4D1FCA9A9531}" dt="2017-09-06T00:56:56.709" v="0" actId="478"/>
+          <ac:spMkLst>
+            <pc:docMk/>
+            <pc:sldMk cId="239281794" sldId="261"/>
+            <ac:spMk id="5" creationId="{00000000-0000-0000-0000-000000000000}"/>
+          </ac:spMkLst>
+        </pc:spChg>
+        <pc:picChg chg="add mod">
+          <ac:chgData name="Gabriel Francato" userId="3af3e02e9cba9d2e" providerId="LiveId" clId="{983F37F2-E5EB-4BD1-97B2-4D1FCA9A9531}" dt="2017-09-06T00:57:24.202" v="5" actId="1076"/>
+          <ac:picMkLst>
+            <pc:docMk/>
+            <pc:sldMk cId="239281794" sldId="261"/>
+            <ac:picMk id="6" creationId="{253A3C8A-01D2-4AF6-A6BA-D4716F459571}"/>
+          </ac:picMkLst>
+        </pc:picChg>
+      </pc:sldChg>
+    </pc:docChg>
+  </pc:docChgLst>
+</pc:chgInfo>
+</file>
+
 <file path=ppt/notesMasters/notesMaster1.xml><?xml version="1.0" encoding="utf-8"?>
 <p:notesMaster xmlns:a="http://schemas.openxmlformats.org/drawingml/2006/main" xmlns:r="http://schemas.openxmlformats.org/officeDocument/2006/relationships" xmlns:p="http://schemas.openxmlformats.org/presentationml/2006/main">
   <p:cSld>
@@ -205,7 +250,7 @@
           <a:p>
             <a:fld id="{57E6D55C-632C-4C26-90C9-29CD744DF66F}" type="datetimeFigureOut">
               <a:rPr lang="pt-BR" smtClean="0"/>
-              <a:t>29/08/2017</a:t>
+              <a:t>05/09/2017</a:t>
             </a:fld>
             <a:endParaRPr lang="pt-BR"/>
           </a:p>
@@ -300,7 +345,6 @@
               <a:rPr lang="pt-BR"/>
               <a:t>Quinto nível</a:t>
             </a:r>
-            <a:endParaRPr lang="pt-BR"/>
           </a:p>
         </p:txBody>
       </p:sp>
@@ -710,7 +754,7 @@
           <a:p>
             <a:fld id="{DDD670B3-E2EA-4637-9A35-A3F69C814A4D}" type="datetimeFigureOut">
               <a:rPr lang="pt-BR" smtClean="0"/>
-              <a:t>29/08/2017</a:t>
+              <a:t>05/09/2017</a:t>
             </a:fld>
             <a:endParaRPr lang="pt-BR"/>
           </a:p>
@@ -924,7 +968,7 @@
           <a:p>
             <a:fld id="{DDD670B3-E2EA-4637-9A35-A3F69C814A4D}" type="datetimeFigureOut">
               <a:rPr lang="pt-BR" smtClean="0"/>
-              <a:t>29/08/2017</a:t>
+              <a:t>05/09/2017</a:t>
             </a:fld>
             <a:endParaRPr lang="pt-BR"/>
           </a:p>
@@ -1148,7 +1192,7 @@
           <a:p>
             <a:fld id="{DDD670B3-E2EA-4637-9A35-A3F69C814A4D}" type="datetimeFigureOut">
               <a:rPr lang="pt-BR" smtClean="0"/>
-              <a:t>29/08/2017</a:t>
+              <a:t>05/09/2017</a:t>
             </a:fld>
             <a:endParaRPr lang="pt-BR"/>
           </a:p>
@@ -1362,7 +1406,7 @@
           <a:p>
             <a:fld id="{DDD670B3-E2EA-4637-9A35-A3F69C814A4D}" type="datetimeFigureOut">
               <a:rPr lang="pt-BR" smtClean="0"/>
-              <a:t>29/08/2017</a:t>
+              <a:t>05/09/2017</a:t>
             </a:fld>
             <a:endParaRPr lang="pt-BR"/>
           </a:p>
@@ -1652,7 +1696,7 @@
           <a:p>
             <a:fld id="{DDD670B3-E2EA-4637-9A35-A3F69C814A4D}" type="datetimeFigureOut">
               <a:rPr lang="pt-BR" smtClean="0"/>
-              <a:t>29/08/2017</a:t>
+              <a:t>05/09/2017</a:t>
             </a:fld>
             <a:endParaRPr lang="pt-BR"/>
           </a:p>
@@ -1928,7 +1972,7 @@
           <a:p>
             <a:fld id="{DDD670B3-E2EA-4637-9A35-A3F69C814A4D}" type="datetimeFigureOut">
               <a:rPr lang="pt-BR" smtClean="0"/>
-              <a:t>29/08/2017</a:t>
+              <a:t>05/09/2017</a:t>
             </a:fld>
             <a:endParaRPr lang="pt-BR"/>
           </a:p>
@@ -2339,7 +2383,7 @@
           <a:p>
             <a:fld id="{DDD670B3-E2EA-4637-9A35-A3F69C814A4D}" type="datetimeFigureOut">
               <a:rPr lang="pt-BR" smtClean="0"/>
-              <a:t>29/08/2017</a:t>
+              <a:t>05/09/2017</a:t>
             </a:fld>
             <a:endParaRPr lang="pt-BR"/>
           </a:p>
@@ -2501,7 +2545,7 @@
           <a:p>
             <a:fld id="{DDD670B3-E2EA-4637-9A35-A3F69C814A4D}" type="datetimeFigureOut">
               <a:rPr lang="pt-BR" smtClean="0"/>
-              <a:t>29/08/2017</a:t>
+              <a:t>05/09/2017</a:t>
             </a:fld>
             <a:endParaRPr lang="pt-BR"/>
           </a:p>
@@ -2640,7 +2684,7 @@
           <a:p>
             <a:fld id="{DDD670B3-E2EA-4637-9A35-A3F69C814A4D}" type="datetimeFigureOut">
               <a:rPr lang="pt-BR" smtClean="0"/>
-              <a:t>29/08/2017</a:t>
+              <a:t>05/09/2017</a:t>
             </a:fld>
             <a:endParaRPr lang="pt-BR"/>
           </a:p>
@@ -2961,7 +3005,7 @@
           <a:p>
             <a:fld id="{DDD670B3-E2EA-4637-9A35-A3F69C814A4D}" type="datetimeFigureOut">
               <a:rPr lang="pt-BR" smtClean="0"/>
-              <a:t>29/08/2017</a:t>
+              <a:t>05/09/2017</a:t>
             </a:fld>
             <a:endParaRPr lang="pt-BR"/>
           </a:p>
@@ -3262,7 +3306,7 @@
           <a:p>
             <a:fld id="{DDD670B3-E2EA-4637-9A35-A3F69C814A4D}" type="datetimeFigureOut">
               <a:rPr lang="pt-BR" smtClean="0"/>
-              <a:t>29/08/2017</a:t>
+              <a:t>05/09/2017</a:t>
             </a:fld>
             <a:endParaRPr lang="pt-BR"/>
           </a:p>
@@ -3519,7 +3563,7 @@
           <a:p>
             <a:fld id="{DDD670B3-E2EA-4637-9A35-A3F69C814A4D}" type="datetimeFigureOut">
               <a:rPr lang="pt-BR" smtClean="0"/>
-              <a:t>29/08/2017</a:t>
+              <a:t>05/09/2017</a:t>
             </a:fld>
             <a:endParaRPr lang="pt-BR"/>
           </a:p>
@@ -4141,76 +4185,41 @@
           </a:p>
         </p:txBody>
       </p:sp>
-      <p:sp>
-        <p:nvSpPr>
-          <p:cNvPr id="4" name="Espaço Reservado para Conteúdo 3"/>
-          <p:cNvSpPr>
-            <a:spLocks noGrp="1"/>
-          </p:cNvSpPr>
+      <p:pic>
+        <p:nvPicPr>
+          <p:cNvPr id="6" name="Espaço Reservado para Conteúdo 5">
+            <a:extLst>
+              <a:ext uri="{FF2B5EF4-FFF2-40B4-BE49-F238E27FC236}">
+                <a16:creationId xmlns:a16="http://schemas.microsoft.com/office/drawing/2014/main" id="{253A3C8A-01D2-4AF6-A6BA-D4716F459571}"/>
+              </a:ext>
+            </a:extLst>
+          </p:cNvPr>
+          <p:cNvPicPr>
+            <a:picLocks noGrp="1" noChangeAspect="1"/>
+          </p:cNvPicPr>
           <p:nvPr>
             <p:ph idx="1"/>
           </p:nvPr>
-        </p:nvSpPr>
-        <p:spPr/>
-        <p:txBody>
-          <a:bodyPr/>
-          <a:lstStyle/>
-          <a:p>
-            <a:endParaRPr lang="pt-BR"/>
-          </a:p>
-        </p:txBody>
-      </p:sp>
-      <p:sp>
-        <p:nvSpPr>
-          <p:cNvPr id="5" name="Retângulo: Cantos Arredondados 4"/>
-          <p:cNvSpPr/>
-          <p:nvPr/>
-        </p:nvSpPr>
+        </p:nvPicPr>
+        <p:blipFill>
+          <a:blip r:embed="rId2">
+            <a:extLst>
+              <a:ext uri="{28A0092B-C50C-407E-A947-70E740481C1C}">
+                <a14:useLocalDpi xmlns:a14="http://schemas.microsoft.com/office/drawing/2010/main" val="0"/>
+              </a:ext>
+            </a:extLst>
+          </a:blip>
+          <a:stretch>
+            <a:fillRect/>
+          </a:stretch>
+        </p:blipFill>
         <p:spPr>
           <a:xfrm>
-            <a:off x="469900" y="939800"/>
-            <a:ext cx="11252200" cy="5384800"/>
+            <a:off x="2056136" y="770123"/>
+            <a:ext cx="8511930" cy="5732779"/>
           </a:xfrm>
-          <a:prstGeom prst="roundRect">
-            <a:avLst/>
-          </a:prstGeom>
         </p:spPr>
-        <p:style>
-          <a:lnRef idx="2">
-            <a:schemeClr val="accent1">
-              <a:shade val="50000"/>
-            </a:schemeClr>
-          </a:lnRef>
-          <a:fillRef idx="1">
-            <a:schemeClr val="accent1"/>
-          </a:fillRef>
-          <a:effectRef idx="0">
-            <a:schemeClr val="accent1"/>
-          </a:effectRef>
-          <a:fontRef idx="minor">
-            <a:schemeClr val="lt1"/>
-          </a:fontRef>
-        </p:style>
-        <p:txBody>
-          <a:bodyPr rtlCol="0" anchor="ctr"/>
-          <a:lstStyle/>
-          <a:p>
-            <a:pPr algn="ctr"/>
-            <a:r>
-              <a:rPr lang="pt-BR" sz="3600" dirty="0"/>
-              <a:t>Coloque seu </a:t>
-            </a:r>
-            <a:r>
-              <a:rPr lang="pt-BR" sz="3600" dirty="0" err="1"/>
-              <a:t>mockup</a:t>
-            </a:r>
-            <a:r>
-              <a:rPr lang="pt-BR" sz="3600" dirty="0"/>
-              <a:t> AQUI!</a:t>
-            </a:r>
-          </a:p>
-        </p:txBody>
-      </p:sp>
+      </p:pic>
     </p:spTree>
     <p:extLst>
       <p:ext uri="{BB962C8B-B14F-4D97-AF65-F5344CB8AC3E}">

--- a/Entrega03.pptx
+++ b/Entrega03.pptx
@@ -5,18 +5,22 @@
     <p:sldMasterId id="2147483672" r:id="rId1"/>
   </p:sldMasterIdLst>
   <p:notesMasterIdLst>
-    <p:notesMasterId r:id="rId11"/>
+    <p:notesMasterId r:id="rId15"/>
   </p:notesMasterIdLst>
   <p:sldIdLst>
     <p:sldId id="256" r:id="rId2"/>
     <p:sldId id="257" r:id="rId3"/>
     <p:sldId id="261" r:id="rId4"/>
     <p:sldId id="262" r:id="rId5"/>
-    <p:sldId id="263" r:id="rId6"/>
-    <p:sldId id="268" r:id="rId7"/>
-    <p:sldId id="269" r:id="rId8"/>
-    <p:sldId id="270" r:id="rId9"/>
-    <p:sldId id="271" r:id="rId10"/>
+    <p:sldId id="277" r:id="rId6"/>
+    <p:sldId id="276" r:id="rId7"/>
+    <p:sldId id="275" r:id="rId8"/>
+    <p:sldId id="263" r:id="rId9"/>
+    <p:sldId id="274" r:id="rId10"/>
+    <p:sldId id="273" r:id="rId11"/>
+    <p:sldId id="272" r:id="rId12"/>
+    <p:sldId id="268" r:id="rId13"/>
+    <p:sldId id="271" r:id="rId14"/>
   </p:sldIdLst>
   <p:sldSz cx="12192000" cy="6858000"/>
   <p:notesSz cx="6858000" cy="9144000"/>
@@ -127,11 +131,34 @@
 <pc:chgInfo xmlns:a="http://schemas.openxmlformats.org/drawingml/2006/main" xmlns:r="http://schemas.openxmlformats.org/officeDocument/2006/relationships" xmlns:ac="http://schemas.microsoft.com/office/drawing/2013/main/command" xmlns:pc="http://schemas.microsoft.com/office/powerpoint/2013/main/command">
   <pc:docChgLst>
     <pc:chgData name="Gabriel Francato" userId="3af3e02e9cba9d2e" providerId="LiveId" clId="{983F37F2-E5EB-4BD1-97B2-4D1FCA9A9531}"/>
-    <pc:docChg chg="custSel modSld">
-      <pc:chgData name="Gabriel Francato" userId="3af3e02e9cba9d2e" providerId="LiveId" clId="{983F37F2-E5EB-4BD1-97B2-4D1FCA9A9531}" dt="2017-09-06T00:57:24.202" v="5" actId="1076"/>
+    <pc:docChg chg="undo custSel addSld delSld modSld">
+      <pc:chgData name="Gabriel Francato" userId="3af3e02e9cba9d2e" providerId="LiveId" clId="{983F37F2-E5EB-4BD1-97B2-4D1FCA9A9531}" dt="2017-09-06T01:48:09.741" v="864" actId="20577"/>
       <pc:docMkLst>
         <pc:docMk/>
       </pc:docMkLst>
+      <pc:sldChg chg="modSp">
+        <pc:chgData name="Gabriel Francato" userId="3af3e02e9cba9d2e" providerId="LiveId" clId="{983F37F2-E5EB-4BD1-97B2-4D1FCA9A9531}" dt="2017-09-06T01:48:09.741" v="864" actId="20577"/>
+        <pc:sldMkLst>
+          <pc:docMk/>
+          <pc:sldMk cId="2326868729" sldId="257"/>
+        </pc:sldMkLst>
+        <pc:spChg chg="mod">
+          <ac:chgData name="Gabriel Francato" userId="3af3e02e9cba9d2e" providerId="LiveId" clId="{983F37F2-E5EB-4BD1-97B2-4D1FCA9A9531}" dt="2017-09-06T01:48:09.741" v="864" actId="20577"/>
+          <ac:spMkLst>
+            <pc:docMk/>
+            <pc:sldMk cId="2326868729" sldId="257"/>
+            <ac:spMk id="4" creationId="{00000000-0000-0000-0000-000000000000}"/>
+          </ac:spMkLst>
+        </pc:spChg>
+        <pc:spChg chg="mod">
+          <ac:chgData name="Gabriel Francato" userId="3af3e02e9cba9d2e" providerId="LiveId" clId="{983F37F2-E5EB-4BD1-97B2-4D1FCA9A9531}" dt="2017-09-06T01:47:57.794" v="824" actId="20577"/>
+          <ac:spMkLst>
+            <pc:docMk/>
+            <pc:sldMk cId="2326868729" sldId="257"/>
+            <ac:spMk id="5" creationId="{00000000-0000-0000-0000-000000000000}"/>
+          </ac:spMkLst>
+        </pc:spChg>
+      </pc:sldChg>
       <pc:sldChg chg="addSp delSp modSp">
         <pc:chgData name="Gabriel Francato" userId="3af3e02e9cba9d2e" providerId="LiveId" clId="{983F37F2-E5EB-4BD1-97B2-4D1FCA9A9531}" dt="2017-09-06T00:57:24.202" v="5" actId="1076"/>
         <pc:sldMkLst>
@@ -160,6 +187,360 @@
             <pc:docMk/>
             <pc:sldMk cId="239281794" sldId="261"/>
             <ac:picMk id="6" creationId="{253A3C8A-01D2-4AF6-A6BA-D4716F459571}"/>
+          </ac:picMkLst>
+        </pc:picChg>
+      </pc:sldChg>
+      <pc:sldChg chg="addSp delSp modSp">
+        <pc:chgData name="Gabriel Francato" userId="3af3e02e9cba9d2e" providerId="LiveId" clId="{983F37F2-E5EB-4BD1-97B2-4D1FCA9A9531}" dt="2017-09-06T01:42:44.955" v="80" actId="1076"/>
+        <pc:sldMkLst>
+          <pc:docMk/>
+          <pc:sldMk cId="3973857736" sldId="262"/>
+        </pc:sldMkLst>
+        <pc:spChg chg="add del">
+          <ac:chgData name="Gabriel Francato" userId="3af3e02e9cba9d2e" providerId="LiveId" clId="{983F37F2-E5EB-4BD1-97B2-4D1FCA9A9531}" dt="2017-09-06T01:42:42.263" v="78"/>
+          <ac:spMkLst>
+            <pc:docMk/>
+            <pc:sldMk cId="3973857736" sldId="262"/>
+            <ac:spMk id="4" creationId="{00000000-0000-0000-0000-000000000000}"/>
+          </ac:spMkLst>
+        </pc:spChg>
+        <pc:spChg chg="add del">
+          <ac:chgData name="Gabriel Francato" userId="3af3e02e9cba9d2e" providerId="LiveId" clId="{983F37F2-E5EB-4BD1-97B2-4D1FCA9A9531}" dt="2017-09-06T01:42:38.159" v="77" actId="478"/>
+          <ac:spMkLst>
+            <pc:docMk/>
+            <pc:sldMk cId="3973857736" sldId="262"/>
+            <ac:spMk id="5" creationId="{00000000-0000-0000-0000-000000000000}"/>
+          </ac:spMkLst>
+        </pc:spChg>
+        <pc:spChg chg="add del mod">
+          <ac:chgData name="Gabriel Francato" userId="3af3e02e9cba9d2e" providerId="LiveId" clId="{983F37F2-E5EB-4BD1-97B2-4D1FCA9A9531}" dt="2017-09-06T01:41:16.877" v="39" actId="478"/>
+          <ac:spMkLst>
+            <pc:docMk/>
+            <pc:sldMk cId="3973857736" sldId="262"/>
+            <ac:spMk id="8" creationId="{5E387B77-B9AD-4384-9D0B-C7A96FD8D7A1}"/>
+          </ac:spMkLst>
+        </pc:spChg>
+        <pc:picChg chg="add del mod">
+          <ac:chgData name="Gabriel Francato" userId="3af3e02e9cba9d2e" providerId="LiveId" clId="{983F37F2-E5EB-4BD1-97B2-4D1FCA9A9531}" dt="2017-09-06T01:41:17.412" v="40"/>
+          <ac:picMkLst>
+            <pc:docMk/>
+            <pc:sldMk cId="3973857736" sldId="262"/>
+            <ac:picMk id="6" creationId="{6C57FC3C-5B65-4644-B8FA-9FD74844E2E0}"/>
+          </ac:picMkLst>
+        </pc:picChg>
+        <pc:picChg chg="add mod">
+          <ac:chgData name="Gabriel Francato" userId="3af3e02e9cba9d2e" providerId="LiveId" clId="{983F37F2-E5EB-4BD1-97B2-4D1FCA9A9531}" dt="2017-09-06T01:42:44.955" v="80" actId="1076"/>
+          <ac:picMkLst>
+            <pc:docMk/>
+            <pc:sldMk cId="3973857736" sldId="262"/>
+            <ac:picMk id="10" creationId="{9659E399-EE73-4ECC-A292-50C7C5DFB23A}"/>
+          </ac:picMkLst>
+        </pc:picChg>
+      </pc:sldChg>
+      <pc:sldChg chg="addSp delSp modSp">
+        <pc:chgData name="Gabriel Francato" userId="3af3e02e9cba9d2e" providerId="LiveId" clId="{983F37F2-E5EB-4BD1-97B2-4D1FCA9A9531}" dt="2017-09-06T01:39:05.438" v="17" actId="1076"/>
+        <pc:sldMkLst>
+          <pc:docMk/>
+          <pc:sldMk cId="586815094" sldId="263"/>
+        </pc:sldMkLst>
+        <pc:spChg chg="del">
+          <ac:chgData name="Gabriel Francato" userId="3af3e02e9cba9d2e" providerId="LiveId" clId="{983F37F2-E5EB-4BD1-97B2-4D1FCA9A9531}" dt="2017-09-06T01:12:24.358" v="10"/>
+          <ac:spMkLst>
+            <pc:docMk/>
+            <pc:sldMk cId="586815094" sldId="263"/>
+            <ac:spMk id="4" creationId="{00000000-0000-0000-0000-000000000000}"/>
+          </ac:spMkLst>
+        </pc:spChg>
+        <pc:spChg chg="del">
+          <ac:chgData name="Gabriel Francato" userId="3af3e02e9cba9d2e" providerId="LiveId" clId="{983F37F2-E5EB-4BD1-97B2-4D1FCA9A9531}" dt="2017-09-06T01:12:16.833" v="9" actId="478"/>
+          <ac:spMkLst>
+            <pc:docMk/>
+            <pc:sldMk cId="586815094" sldId="263"/>
+            <ac:spMk id="5" creationId="{00000000-0000-0000-0000-000000000000}"/>
+          </ac:spMkLst>
+        </pc:spChg>
+        <pc:spChg chg="add del mod">
+          <ac:chgData name="Gabriel Francato" userId="3af3e02e9cba9d2e" providerId="LiveId" clId="{983F37F2-E5EB-4BD1-97B2-4D1FCA9A9531}" dt="2017-09-06T01:39:01.702" v="15"/>
+          <ac:spMkLst>
+            <pc:docMk/>
+            <pc:sldMk cId="586815094" sldId="263"/>
+            <ac:spMk id="8" creationId="{3522ADF7-E0BD-49F0-B306-9D890E7748D2}"/>
+          </ac:spMkLst>
+        </pc:spChg>
+        <pc:picChg chg="add del mod">
+          <ac:chgData name="Gabriel Francato" userId="3af3e02e9cba9d2e" providerId="LiveId" clId="{983F37F2-E5EB-4BD1-97B2-4D1FCA9A9531}" dt="2017-09-06T01:12:33.716" v="14" actId="478"/>
+          <ac:picMkLst>
+            <pc:docMk/>
+            <pc:sldMk cId="586815094" sldId="263"/>
+            <ac:picMk id="6" creationId="{E56695EF-D0C8-4475-8E6C-A1DDB9CB3217}"/>
+          </ac:picMkLst>
+        </pc:picChg>
+        <pc:picChg chg="add mod">
+          <ac:chgData name="Gabriel Francato" userId="3af3e02e9cba9d2e" providerId="LiveId" clId="{983F37F2-E5EB-4BD1-97B2-4D1FCA9A9531}" dt="2017-09-06T01:39:05.438" v="17" actId="1076"/>
+          <ac:picMkLst>
+            <pc:docMk/>
+            <pc:sldMk cId="586815094" sldId="263"/>
+            <ac:picMk id="10" creationId="{B0B47F7F-4787-4535-BB5B-06711B026905}"/>
+          </ac:picMkLst>
+        </pc:picChg>
+      </pc:sldChg>
+      <pc:sldChg chg="modSp">
+        <pc:chgData name="Gabriel Francato" userId="3af3e02e9cba9d2e" providerId="LiveId" clId="{983F37F2-E5EB-4BD1-97B2-4D1FCA9A9531}" dt="2017-09-06T01:47:02.928" v="682" actId="20577"/>
+        <pc:sldMkLst>
+          <pc:docMk/>
+          <pc:sldMk cId="1519267962" sldId="268"/>
+        </pc:sldMkLst>
+        <pc:spChg chg="mod">
+          <ac:chgData name="Gabriel Francato" userId="3af3e02e9cba9d2e" providerId="LiveId" clId="{983F37F2-E5EB-4BD1-97B2-4D1FCA9A9531}" dt="2017-09-06T01:47:02.928" v="682" actId="20577"/>
+          <ac:spMkLst>
+            <pc:docMk/>
+            <pc:sldMk cId="1519267962" sldId="268"/>
+            <ac:spMk id="4" creationId="{00000000-0000-0000-0000-000000000000}"/>
+          </ac:spMkLst>
+        </pc:spChg>
+      </pc:sldChg>
+      <pc:sldChg chg="add del">
+        <pc:chgData name="Gabriel Francato" userId="3af3e02e9cba9d2e" providerId="LiveId" clId="{983F37F2-E5EB-4BD1-97B2-4D1FCA9A9531}" dt="2017-09-06T01:47:06.626" v="683" actId="2696"/>
+        <pc:sldMkLst>
+          <pc:docMk/>
+          <pc:sldMk cId="1144521448" sldId="269"/>
+        </pc:sldMkLst>
+      </pc:sldChg>
+      <pc:sldChg chg="del">
+        <pc:chgData name="Gabriel Francato" userId="3af3e02e9cba9d2e" providerId="LiveId" clId="{983F37F2-E5EB-4BD1-97B2-4D1FCA9A9531}" dt="2017-09-06T01:47:07.664" v="684" actId="2696"/>
+        <pc:sldMkLst>
+          <pc:docMk/>
+          <pc:sldMk cId="692573052" sldId="270"/>
+        </pc:sldMkLst>
+      </pc:sldChg>
+      <pc:sldChg chg="addSp delSp modSp add">
+        <pc:chgData name="Gabriel Francato" userId="3af3e02e9cba9d2e" providerId="LiveId" clId="{983F37F2-E5EB-4BD1-97B2-4D1FCA9A9531}" dt="2017-09-06T01:42:23.639" v="73" actId="1076"/>
+        <pc:sldMkLst>
+          <pc:docMk/>
+          <pc:sldMk cId="4054959771" sldId="272"/>
+        </pc:sldMkLst>
+        <pc:spChg chg="add del">
+          <ac:chgData name="Gabriel Francato" userId="3af3e02e9cba9d2e" providerId="LiveId" clId="{983F37F2-E5EB-4BD1-97B2-4D1FCA9A9531}" dt="2017-09-06T01:42:14.328" v="68"/>
+          <ac:spMkLst>
+            <pc:docMk/>
+            <pc:sldMk cId="4054959771" sldId="272"/>
+            <ac:spMk id="4" creationId="{00000000-0000-0000-0000-000000000000}"/>
+          </ac:spMkLst>
+        </pc:spChg>
+        <pc:spChg chg="add del mod">
+          <ac:chgData name="Gabriel Francato" userId="3af3e02e9cba9d2e" providerId="LiveId" clId="{983F37F2-E5EB-4BD1-97B2-4D1FCA9A9531}" dt="2017-09-06T01:42:08.053" v="67" actId="478"/>
+          <ac:spMkLst>
+            <pc:docMk/>
+            <pc:sldMk cId="4054959771" sldId="272"/>
+            <ac:spMk id="5" creationId="{00000000-0000-0000-0000-000000000000}"/>
+          </ac:spMkLst>
+        </pc:spChg>
+        <pc:picChg chg="add del mod">
+          <ac:chgData name="Gabriel Francato" userId="3af3e02e9cba9d2e" providerId="LiveId" clId="{983F37F2-E5EB-4BD1-97B2-4D1FCA9A9531}" dt="2017-09-06T01:41:22.340" v="48"/>
+          <ac:picMkLst>
+            <pc:docMk/>
+            <pc:sldMk cId="4054959771" sldId="272"/>
+            <ac:picMk id="6" creationId="{42838307-D9BC-4476-B52D-D071EEB0CA19}"/>
+          </ac:picMkLst>
+        </pc:picChg>
+        <pc:picChg chg="add mod">
+          <ac:chgData name="Gabriel Francato" userId="3af3e02e9cba9d2e" providerId="LiveId" clId="{983F37F2-E5EB-4BD1-97B2-4D1FCA9A9531}" dt="2017-09-06T01:42:23.639" v="73" actId="1076"/>
+          <ac:picMkLst>
+            <pc:docMk/>
+            <pc:sldMk cId="4054959771" sldId="272"/>
+            <ac:picMk id="8" creationId="{C3444209-704F-46A1-9E99-5FB47B90EEA9}"/>
+          </ac:picMkLst>
+        </pc:picChg>
+      </pc:sldChg>
+      <pc:sldChg chg="addSp delSp modSp add">
+        <pc:chgData name="Gabriel Francato" userId="3af3e02e9cba9d2e" providerId="LiveId" clId="{983F37F2-E5EB-4BD1-97B2-4D1FCA9A9531}" dt="2017-09-06T01:42:05.029" v="66" actId="1076"/>
+        <pc:sldMkLst>
+          <pc:docMk/>
+          <pc:sldMk cId="2945745090" sldId="273"/>
+        </pc:sldMkLst>
+        <pc:spChg chg="add del">
+          <ac:chgData name="Gabriel Francato" userId="3af3e02e9cba9d2e" providerId="LiveId" clId="{983F37F2-E5EB-4BD1-97B2-4D1FCA9A9531}" dt="2017-09-06T01:42:02.341" v="64"/>
+          <ac:spMkLst>
+            <pc:docMk/>
+            <pc:sldMk cId="2945745090" sldId="273"/>
+            <ac:spMk id="4" creationId="{00000000-0000-0000-0000-000000000000}"/>
+          </ac:spMkLst>
+        </pc:spChg>
+        <pc:spChg chg="add del">
+          <ac:chgData name="Gabriel Francato" userId="3af3e02e9cba9d2e" providerId="LiveId" clId="{983F37F2-E5EB-4BD1-97B2-4D1FCA9A9531}" dt="2017-09-06T01:41:54.966" v="63" actId="478"/>
+          <ac:spMkLst>
+            <pc:docMk/>
+            <pc:sldMk cId="2945745090" sldId="273"/>
+            <ac:spMk id="5" creationId="{00000000-0000-0000-0000-000000000000}"/>
+          </ac:spMkLst>
+        </pc:spChg>
+        <pc:picChg chg="add del mod">
+          <ac:chgData name="Gabriel Francato" userId="3af3e02e9cba9d2e" providerId="LiveId" clId="{983F37F2-E5EB-4BD1-97B2-4D1FCA9A9531}" dt="2017-09-06T01:41:26.537" v="54"/>
+          <ac:picMkLst>
+            <pc:docMk/>
+            <pc:sldMk cId="2945745090" sldId="273"/>
+            <ac:picMk id="6" creationId="{D5654A33-F05A-42A1-88E7-F1ABDF0A39AB}"/>
+          </ac:picMkLst>
+        </pc:picChg>
+        <pc:picChg chg="add mod">
+          <ac:chgData name="Gabriel Francato" userId="3af3e02e9cba9d2e" providerId="LiveId" clId="{983F37F2-E5EB-4BD1-97B2-4D1FCA9A9531}" dt="2017-09-06T01:42:05.029" v="66" actId="1076"/>
+          <ac:picMkLst>
+            <pc:docMk/>
+            <pc:sldMk cId="2945745090" sldId="273"/>
+            <ac:picMk id="8" creationId="{686B06D5-56F5-4DA8-A43D-B0F235FC72A6}"/>
+          </ac:picMkLst>
+        </pc:picChg>
+      </pc:sldChg>
+      <pc:sldChg chg="addSp delSp modSp add">
+        <pc:chgData name="Gabriel Francato" userId="3af3e02e9cba9d2e" providerId="LiveId" clId="{983F37F2-E5EB-4BD1-97B2-4D1FCA9A9531}" dt="2017-09-06T01:41:51.835" v="62" actId="1076"/>
+        <pc:sldMkLst>
+          <pc:docMk/>
+          <pc:sldMk cId="1582869447" sldId="274"/>
+        </pc:sldMkLst>
+        <pc:spChg chg="add del">
+          <ac:chgData name="Gabriel Francato" userId="3af3e02e9cba9d2e" providerId="LiveId" clId="{983F37F2-E5EB-4BD1-97B2-4D1FCA9A9531}" dt="2017-09-06T01:41:47.218" v="59"/>
+          <ac:spMkLst>
+            <pc:docMk/>
+            <pc:sldMk cId="1582869447" sldId="274"/>
+            <ac:spMk id="4" creationId="{00000000-0000-0000-0000-000000000000}"/>
+          </ac:spMkLst>
+        </pc:spChg>
+        <pc:spChg chg="del">
+          <ac:chgData name="Gabriel Francato" userId="3af3e02e9cba9d2e" providerId="LiveId" clId="{983F37F2-E5EB-4BD1-97B2-4D1FCA9A9531}" dt="2017-09-06T01:39:08.368" v="18" actId="478"/>
+          <ac:spMkLst>
+            <pc:docMk/>
+            <pc:sldMk cId="1582869447" sldId="274"/>
+            <ac:spMk id="5" creationId="{00000000-0000-0000-0000-000000000000}"/>
+          </ac:spMkLst>
+        </pc:spChg>
+        <pc:picChg chg="add del mod">
+          <ac:chgData name="Gabriel Francato" userId="3af3e02e9cba9d2e" providerId="LiveId" clId="{983F37F2-E5EB-4BD1-97B2-4D1FCA9A9531}" dt="2017-09-06T01:41:29.781" v="58"/>
+          <ac:picMkLst>
+            <pc:docMk/>
+            <pc:sldMk cId="1582869447" sldId="274"/>
+            <ac:picMk id="6" creationId="{D4FB8D93-D2F6-4E45-B5EC-3B7B9F4F22A4}"/>
+          </ac:picMkLst>
+        </pc:picChg>
+        <pc:picChg chg="add mod">
+          <ac:chgData name="Gabriel Francato" userId="3af3e02e9cba9d2e" providerId="LiveId" clId="{983F37F2-E5EB-4BD1-97B2-4D1FCA9A9531}" dt="2017-09-06T01:41:51.835" v="62" actId="1076"/>
+          <ac:picMkLst>
+            <pc:docMk/>
+            <pc:sldMk cId="1582869447" sldId="274"/>
+            <ac:picMk id="8" creationId="{BC3C4950-EA1D-4858-9D29-9BCF96206B87}"/>
+          </ac:picMkLst>
+        </pc:picChg>
+      </pc:sldChg>
+      <pc:sldChg chg="add del">
+        <pc:chgData name="Gabriel Francato" userId="3af3e02e9cba9d2e" providerId="LiveId" clId="{983F37F2-E5EB-4BD1-97B2-4D1FCA9A9531}" dt="2017-09-06T01:41:17.853" v="44"/>
+        <pc:sldMkLst>
+          <pc:docMk/>
+          <pc:sldMk cId="1887715859" sldId="275"/>
+        </pc:sldMkLst>
+      </pc:sldChg>
+      <pc:sldChg chg="addSp delSp modSp add">
+        <pc:chgData name="Gabriel Francato" userId="3af3e02e9cba9d2e" providerId="LiveId" clId="{983F37F2-E5EB-4BD1-97B2-4D1FCA9A9531}" dt="2017-09-06T01:43:06.754" v="95" actId="1076"/>
+        <pc:sldMkLst>
+          <pc:docMk/>
+          <pc:sldMk cId="2548591654" sldId="275"/>
+        </pc:sldMkLst>
+        <pc:spChg chg="del">
+          <ac:chgData name="Gabriel Francato" userId="3af3e02e9cba9d2e" providerId="LiveId" clId="{983F37F2-E5EB-4BD1-97B2-4D1FCA9A9531}" dt="2017-09-06T01:43:01.405" v="91"/>
+          <ac:spMkLst>
+            <pc:docMk/>
+            <pc:sldMk cId="2548591654" sldId="275"/>
+            <ac:spMk id="4" creationId="{00000000-0000-0000-0000-000000000000}"/>
+          </ac:spMkLst>
+        </pc:spChg>
+        <pc:spChg chg="del">
+          <ac:chgData name="Gabriel Francato" userId="3af3e02e9cba9d2e" providerId="LiveId" clId="{983F37F2-E5EB-4BD1-97B2-4D1FCA9A9531}" dt="2017-09-06T01:42:59.084" v="90" actId="478"/>
+          <ac:spMkLst>
+            <pc:docMk/>
+            <pc:sldMk cId="2548591654" sldId="275"/>
+            <ac:spMk id="5" creationId="{00000000-0000-0000-0000-000000000000}"/>
+          </ac:spMkLst>
+        </pc:spChg>
+        <pc:picChg chg="add mod">
+          <ac:chgData name="Gabriel Francato" userId="3af3e02e9cba9d2e" providerId="LiveId" clId="{983F37F2-E5EB-4BD1-97B2-4D1FCA9A9531}" dt="2017-09-06T01:43:06.754" v="95" actId="1076"/>
+          <ac:picMkLst>
+            <pc:docMk/>
+            <pc:sldMk cId="2548591654" sldId="275"/>
+            <ac:picMk id="6" creationId="{2C42B7E7-CF19-4D45-B7E6-5359676251B5}"/>
+          </ac:picMkLst>
+        </pc:picChg>
+      </pc:sldChg>
+      <pc:sldChg chg="add del">
+        <pc:chgData name="Gabriel Francato" userId="3af3e02e9cba9d2e" providerId="LiveId" clId="{983F37F2-E5EB-4BD1-97B2-4D1FCA9A9531}" dt="2017-09-06T01:41:17.621" v="43"/>
+        <pc:sldMkLst>
+          <pc:docMk/>
+          <pc:sldMk cId="1087703772" sldId="276"/>
+        </pc:sldMkLst>
+      </pc:sldChg>
+      <pc:sldChg chg="addSp delSp modSp add">
+        <pc:chgData name="Gabriel Francato" userId="3af3e02e9cba9d2e" providerId="LiveId" clId="{983F37F2-E5EB-4BD1-97B2-4D1FCA9A9531}" dt="2017-09-06T01:42:57.821" v="89" actId="1076"/>
+        <pc:sldMkLst>
+          <pc:docMk/>
+          <pc:sldMk cId="1518505288" sldId="276"/>
+        </pc:sldMkLst>
+        <pc:spChg chg="del">
+          <ac:chgData name="Gabriel Francato" userId="3af3e02e9cba9d2e" providerId="LiveId" clId="{983F37F2-E5EB-4BD1-97B2-4D1FCA9A9531}" dt="2017-09-06T01:42:55.220" v="87"/>
+          <ac:spMkLst>
+            <pc:docMk/>
+            <pc:sldMk cId="1518505288" sldId="276"/>
+            <ac:spMk id="4" creationId="{00000000-0000-0000-0000-000000000000}"/>
+          </ac:spMkLst>
+        </pc:spChg>
+        <pc:spChg chg="del mod">
+          <ac:chgData name="Gabriel Francato" userId="3af3e02e9cba9d2e" providerId="LiveId" clId="{983F37F2-E5EB-4BD1-97B2-4D1FCA9A9531}" dt="2017-09-06T01:42:52.755" v="86" actId="478"/>
+          <ac:spMkLst>
+            <pc:docMk/>
+            <pc:sldMk cId="1518505288" sldId="276"/>
+            <ac:spMk id="5" creationId="{00000000-0000-0000-0000-000000000000}"/>
+          </ac:spMkLst>
+        </pc:spChg>
+        <pc:picChg chg="add mod">
+          <ac:chgData name="Gabriel Francato" userId="3af3e02e9cba9d2e" providerId="LiveId" clId="{983F37F2-E5EB-4BD1-97B2-4D1FCA9A9531}" dt="2017-09-06T01:42:57.821" v="89" actId="1076"/>
+          <ac:picMkLst>
+            <pc:docMk/>
+            <pc:sldMk cId="1518505288" sldId="276"/>
+            <ac:picMk id="6" creationId="{44B32FD2-8789-41DB-B0A1-19E29DB74C72}"/>
+          </ac:picMkLst>
+        </pc:picChg>
+      </pc:sldChg>
+      <pc:sldChg chg="add del">
+        <pc:chgData name="Gabriel Francato" userId="3af3e02e9cba9d2e" providerId="LiveId" clId="{983F37F2-E5EB-4BD1-97B2-4D1FCA9A9531}" dt="2017-09-06T01:41:17.436" v="42"/>
+        <pc:sldMkLst>
+          <pc:docMk/>
+          <pc:sldMk cId="583777676" sldId="277"/>
+        </pc:sldMkLst>
+      </pc:sldChg>
+      <pc:sldChg chg="addSp delSp modSp add">
+        <pc:chgData name="Gabriel Francato" userId="3af3e02e9cba9d2e" providerId="LiveId" clId="{983F37F2-E5EB-4BD1-97B2-4D1FCA9A9531}" dt="2017-09-06T01:42:50.324" v="84" actId="1076"/>
+        <pc:sldMkLst>
+          <pc:docMk/>
+          <pc:sldMk cId="861636191" sldId="277"/>
+        </pc:sldMkLst>
+        <pc:spChg chg="del">
+          <ac:chgData name="Gabriel Francato" userId="3af3e02e9cba9d2e" providerId="LiveId" clId="{983F37F2-E5EB-4BD1-97B2-4D1FCA9A9531}" dt="2017-09-06T01:42:47.980" v="82"/>
+          <ac:spMkLst>
+            <pc:docMk/>
+            <pc:sldMk cId="861636191" sldId="277"/>
+            <ac:spMk id="4" creationId="{00000000-0000-0000-0000-000000000000}"/>
+          </ac:spMkLst>
+        </pc:spChg>
+        <pc:spChg chg="del">
+          <ac:chgData name="Gabriel Francato" userId="3af3e02e9cba9d2e" providerId="LiveId" clId="{983F37F2-E5EB-4BD1-97B2-4D1FCA9A9531}" dt="2017-09-06T01:42:46.093" v="81" actId="478"/>
+          <ac:spMkLst>
+            <pc:docMk/>
+            <pc:sldMk cId="861636191" sldId="277"/>
+            <ac:spMk id="5" creationId="{00000000-0000-0000-0000-000000000000}"/>
+          </ac:spMkLst>
+        </pc:spChg>
+        <pc:picChg chg="add mod">
+          <ac:chgData name="Gabriel Francato" userId="3af3e02e9cba9d2e" providerId="LiveId" clId="{983F37F2-E5EB-4BD1-97B2-4D1FCA9A9531}" dt="2017-09-06T01:42:50.324" v="84" actId="1076"/>
+          <ac:picMkLst>
+            <pc:docMk/>
+            <pc:sldMk cId="861636191" sldId="277"/>
+            <ac:picMk id="6" creationId="{80E0952E-B2F7-4550-9771-E931C6AA998B}"/>
           </ac:picMkLst>
         </pc:picChg>
       </pc:sldChg>
@@ -4025,7 +4406,7 @@
 </p:sld>
 </file>
 
-<file path=ppt/slides/slide2.xml><?xml version="1.0" encoding="utf-8"?>
+<file path=ppt/slides/slide10.xml><?xml version="1.0" encoding="utf-8"?>
 <p:sld xmlns:a="http://schemas.openxmlformats.org/drawingml/2006/main" xmlns:r="http://schemas.openxmlformats.org/officeDocument/2006/relationships" xmlns:p="http://schemas.openxmlformats.org/presentationml/2006/main">
   <p:cSld>
     <p:spTree>
@@ -4044,7 +4425,7 @@
       </p:grpSpPr>
       <p:sp>
         <p:nvSpPr>
-          <p:cNvPr id="4" name="Título 3"/>
+          <p:cNvPr id="2" name="Título 1"/>
           <p:cNvSpPr>
             <a:spLocks noGrp="1"/>
           </p:cNvSpPr>
@@ -4052,80 +4433,68 @@
             <p:ph type="title"/>
           </p:nvPr>
         </p:nvSpPr>
-        <p:spPr/>
-        <p:txBody>
-          <a:bodyPr/>
-          <a:lstStyle/>
-          <a:p>
-            <a:r>
-              <a:rPr lang="pt-BR" dirty="0"/>
-              <a:t>Equipe: </a:t>
-            </a:r>
-            <a:r>
-              <a:rPr lang="pt-BR" dirty="0">
-                <a:solidFill>
-                  <a:srgbClr val="FF0000"/>
-                </a:solidFill>
-              </a:rPr>
-              <a:t>(colocar o nome da equipe)</a:t>
-            </a:r>
-            <a:endParaRPr lang="pt-BR" dirty="0"/>
-          </a:p>
-        </p:txBody>
-      </p:sp>
-      <p:sp>
-        <p:nvSpPr>
-          <p:cNvPr id="5" name="Espaço Reservado para Conteúdo 4"/>
-          <p:cNvSpPr>
-            <a:spLocks noGrp="1"/>
-          </p:cNvSpPr>
+        <p:spPr>
+          <a:xfrm>
+            <a:off x="266700" y="-104775"/>
+            <a:ext cx="10515600" cy="1325563"/>
+          </a:xfrm>
+        </p:spPr>
+        <p:txBody>
+          <a:bodyPr>
+            <a:normAutofit/>
+          </a:bodyPr>
+          <a:lstStyle/>
+          <a:p>
+            <a:r>
+              <a:rPr lang="pt-BR" sz="2800" dirty="0" err="1"/>
+              <a:t>Mockup</a:t>
+            </a:r>
+            <a:r>
+              <a:rPr lang="pt-BR" sz="2800" dirty="0"/>
+              <a:t> da página Sobre Mim</a:t>
+            </a:r>
+          </a:p>
+        </p:txBody>
+      </p:sp>
+      <p:pic>
+        <p:nvPicPr>
+          <p:cNvPr id="8" name="Espaço Reservado para Conteúdo 7">
+            <a:extLst>
+              <a:ext uri="{FF2B5EF4-FFF2-40B4-BE49-F238E27FC236}">
+                <a16:creationId xmlns:a16="http://schemas.microsoft.com/office/drawing/2014/main" id="{686B06D5-56F5-4DA8-A43D-B0F235FC72A6}"/>
+              </a:ext>
+            </a:extLst>
+          </p:cNvPr>
+          <p:cNvPicPr>
+            <a:picLocks noGrp="1" noChangeAspect="1"/>
+          </p:cNvPicPr>
           <p:nvPr>
             <p:ph idx="1"/>
           </p:nvPr>
-        </p:nvSpPr>
-        <p:spPr/>
-        <p:txBody>
-          <a:bodyPr/>
-          <a:lstStyle/>
-          <a:p>
-            <a:r>
-              <a:rPr lang="pt-BR" dirty="0"/>
-              <a:t>Nome - Engenharia</a:t>
-            </a:r>
-          </a:p>
-          <a:p>
-            <a:r>
-              <a:rPr lang="pt-BR" dirty="0"/>
-              <a:t>Nome - Engenharia</a:t>
-            </a:r>
-          </a:p>
-          <a:p>
-            <a:r>
-              <a:rPr lang="pt-BR" dirty="0"/>
-              <a:t>Nome – Engenharia</a:t>
-            </a:r>
-          </a:p>
-          <a:p>
-            <a:r>
-              <a:rPr lang="pt-BR" dirty="0"/>
-              <a:t>Nome - Engenharia</a:t>
-            </a:r>
-          </a:p>
-          <a:p>
-            <a:r>
-              <a:rPr lang="pt-BR" dirty="0"/>
-              <a:t>Nome - Engenharia</a:t>
-            </a:r>
-          </a:p>
-          <a:p>
-            <a:endParaRPr lang="pt-BR" dirty="0"/>
-          </a:p>
-        </p:txBody>
-      </p:sp>
+        </p:nvPicPr>
+        <p:blipFill>
+          <a:blip r:embed="rId2">
+            <a:extLst>
+              <a:ext uri="{28A0092B-C50C-407E-A947-70E740481C1C}">
+                <a14:useLocalDpi xmlns:a14="http://schemas.microsoft.com/office/drawing/2010/main" val="0"/>
+              </a:ext>
+            </a:extLst>
+          </a:blip>
+          <a:stretch>
+            <a:fillRect/>
+          </a:stretch>
+        </p:blipFill>
+        <p:spPr>
+          <a:xfrm>
+            <a:off x="2562402" y="884420"/>
+            <a:ext cx="7858276" cy="5292543"/>
+          </a:xfrm>
+        </p:spPr>
+      </p:pic>
     </p:spTree>
     <p:extLst>
       <p:ext uri="{BB962C8B-B14F-4D97-AF65-F5344CB8AC3E}">
-        <p14:creationId xmlns:p14="http://schemas.microsoft.com/office/powerpoint/2010/main" val="2326868729"/>
+        <p14:creationId xmlns:p14="http://schemas.microsoft.com/office/powerpoint/2010/main" val="2945745090"/>
       </p:ext>
     </p:extLst>
   </p:cSld>
@@ -4135,7 +4504,7 @@
 </p:sld>
 </file>
 
-<file path=ppt/slides/slide3.xml><?xml version="1.0" encoding="utf-8"?>
+<file path=ppt/slides/slide11.xml><?xml version="1.0" encoding="utf-8"?>
 <p:sld xmlns:a="http://schemas.openxmlformats.org/drawingml/2006/main" xmlns:r="http://schemas.openxmlformats.org/officeDocument/2006/relationships" xmlns:p="http://schemas.openxmlformats.org/presentationml/2006/main">
   <p:cSld>
     <p:spTree>
@@ -4180,17 +4549,17 @@
             </a:r>
             <a:r>
               <a:rPr lang="pt-BR" sz="2800" dirty="0"/>
-              <a:t> da página principal</a:t>
+              <a:t> da página Sobre Mim</a:t>
             </a:r>
           </a:p>
         </p:txBody>
       </p:sp>
       <p:pic>
         <p:nvPicPr>
-          <p:cNvPr id="6" name="Espaço Reservado para Conteúdo 5">
+          <p:cNvPr id="8" name="Espaço Reservado para Conteúdo 7">
             <a:extLst>
               <a:ext uri="{FF2B5EF4-FFF2-40B4-BE49-F238E27FC236}">
-                <a16:creationId xmlns:a16="http://schemas.microsoft.com/office/drawing/2014/main" id="{253A3C8A-01D2-4AF6-A6BA-D4716F459571}"/>
+                <a16:creationId xmlns:a16="http://schemas.microsoft.com/office/drawing/2014/main" id="{C3444209-704F-46A1-9E99-5FB47B90EEA9}"/>
               </a:ext>
             </a:extLst>
           </p:cNvPr>
@@ -4215,15 +4584,15 @@
         </p:blipFill>
         <p:spPr>
           <a:xfrm>
-            <a:off x="2056136" y="770123"/>
-            <a:ext cx="8511930" cy="5732779"/>
+            <a:off x="2495175" y="929390"/>
+            <a:ext cx="7880532" cy="5307533"/>
           </a:xfrm>
         </p:spPr>
       </p:pic>
     </p:spTree>
     <p:extLst>
       <p:ext uri="{BB962C8B-B14F-4D97-AF65-F5344CB8AC3E}">
-        <p14:creationId xmlns:p14="http://schemas.microsoft.com/office/powerpoint/2010/main" val="239281794"/>
+        <p14:creationId xmlns:p14="http://schemas.microsoft.com/office/powerpoint/2010/main" val="4054959771"/>
       </p:ext>
     </p:extLst>
   </p:cSld>
@@ -4233,7 +4602,7 @@
 </p:sld>
 </file>
 
-<file path=ppt/slides/slide4.xml><?xml version="1.0" encoding="utf-8"?>
+<file path=ppt/slides/slide12.xml><?xml version="1.0" encoding="utf-8"?>
 <p:sld xmlns:a="http://schemas.openxmlformats.org/drawingml/2006/main" xmlns:r="http://schemas.openxmlformats.org/officeDocument/2006/relationships" xmlns:p="http://schemas.openxmlformats.org/presentationml/2006/main">
   <p:cSld>
     <p:spTree>
@@ -4273,272 +4642,6 @@
           <a:lstStyle/>
           <a:p>
             <a:r>
-              <a:rPr lang="pt-BR" sz="2800" dirty="0" err="1"/>
-              <a:t>Mockup</a:t>
-            </a:r>
-            <a:r>
-              <a:rPr lang="pt-BR" sz="2800" dirty="0"/>
-              <a:t> da página de projeto</a:t>
-            </a:r>
-          </a:p>
-        </p:txBody>
-      </p:sp>
-      <p:sp>
-        <p:nvSpPr>
-          <p:cNvPr id="4" name="Espaço Reservado para Conteúdo 3"/>
-          <p:cNvSpPr>
-            <a:spLocks noGrp="1"/>
-          </p:cNvSpPr>
-          <p:nvPr>
-            <p:ph idx="1"/>
-          </p:nvPr>
-        </p:nvSpPr>
-        <p:spPr/>
-        <p:txBody>
-          <a:bodyPr/>
-          <a:lstStyle/>
-          <a:p>
-            <a:endParaRPr lang="pt-BR"/>
-          </a:p>
-        </p:txBody>
-      </p:sp>
-      <p:sp>
-        <p:nvSpPr>
-          <p:cNvPr id="5" name="Retângulo: Cantos Arredondados 4"/>
-          <p:cNvSpPr/>
-          <p:nvPr/>
-        </p:nvSpPr>
-        <p:spPr>
-          <a:xfrm>
-            <a:off x="469900" y="939800"/>
-            <a:ext cx="11252200" cy="5384800"/>
-          </a:xfrm>
-          <a:prstGeom prst="roundRect">
-            <a:avLst/>
-          </a:prstGeom>
-        </p:spPr>
-        <p:style>
-          <a:lnRef idx="2">
-            <a:schemeClr val="accent1">
-              <a:shade val="50000"/>
-            </a:schemeClr>
-          </a:lnRef>
-          <a:fillRef idx="1">
-            <a:schemeClr val="accent1"/>
-          </a:fillRef>
-          <a:effectRef idx="0">
-            <a:schemeClr val="accent1"/>
-          </a:effectRef>
-          <a:fontRef idx="minor">
-            <a:schemeClr val="lt1"/>
-          </a:fontRef>
-        </p:style>
-        <p:txBody>
-          <a:bodyPr rtlCol="0" anchor="ctr"/>
-          <a:lstStyle/>
-          <a:p>
-            <a:pPr algn="ctr"/>
-            <a:r>
-              <a:rPr lang="pt-BR" sz="3600" dirty="0"/>
-              <a:t>Coloque seu </a:t>
-            </a:r>
-            <a:r>
-              <a:rPr lang="pt-BR" sz="3600" dirty="0" err="1"/>
-              <a:t>mockup</a:t>
-            </a:r>
-            <a:r>
-              <a:rPr lang="pt-BR" sz="3600" dirty="0"/>
-              <a:t> AQUI!</a:t>
-            </a:r>
-          </a:p>
-        </p:txBody>
-      </p:sp>
-    </p:spTree>
-    <p:extLst>
-      <p:ext uri="{BB962C8B-B14F-4D97-AF65-F5344CB8AC3E}">
-        <p14:creationId xmlns:p14="http://schemas.microsoft.com/office/powerpoint/2010/main" val="3973857736"/>
-      </p:ext>
-    </p:extLst>
-  </p:cSld>
-  <p:clrMapOvr>
-    <a:masterClrMapping/>
-  </p:clrMapOvr>
-</p:sld>
-</file>
-
-<file path=ppt/slides/slide5.xml><?xml version="1.0" encoding="utf-8"?>
-<p:sld xmlns:a="http://schemas.openxmlformats.org/drawingml/2006/main" xmlns:r="http://schemas.openxmlformats.org/officeDocument/2006/relationships" xmlns:p="http://schemas.openxmlformats.org/presentationml/2006/main">
-  <p:cSld>
-    <p:spTree>
-      <p:nvGrpSpPr>
-        <p:cNvPr id="1" name=""/>
-        <p:cNvGrpSpPr/>
-        <p:nvPr/>
-      </p:nvGrpSpPr>
-      <p:grpSpPr>
-        <a:xfrm>
-          <a:off x="0" y="0"/>
-          <a:ext cx="0" cy="0"/>
-          <a:chOff x="0" y="0"/>
-          <a:chExt cx="0" cy="0"/>
-        </a:xfrm>
-      </p:grpSpPr>
-      <p:sp>
-        <p:nvSpPr>
-          <p:cNvPr id="2" name="Título 1"/>
-          <p:cNvSpPr>
-            <a:spLocks noGrp="1"/>
-          </p:cNvSpPr>
-          <p:nvPr>
-            <p:ph type="title"/>
-          </p:nvPr>
-        </p:nvSpPr>
-        <p:spPr>
-          <a:xfrm>
-            <a:off x="266700" y="-104775"/>
-            <a:ext cx="10515600" cy="1325563"/>
-          </a:xfrm>
-        </p:spPr>
-        <p:txBody>
-          <a:bodyPr>
-            <a:normAutofit/>
-          </a:bodyPr>
-          <a:lstStyle/>
-          <a:p>
-            <a:r>
-              <a:rPr lang="pt-BR" sz="2800" dirty="0" err="1"/>
-              <a:t>Mockup</a:t>
-            </a:r>
-            <a:r>
-              <a:rPr lang="pt-BR" sz="2800" dirty="0"/>
-              <a:t> da página Sobre Mim</a:t>
-            </a:r>
-          </a:p>
-        </p:txBody>
-      </p:sp>
-      <p:sp>
-        <p:nvSpPr>
-          <p:cNvPr id="4" name="Espaço Reservado para Conteúdo 3"/>
-          <p:cNvSpPr>
-            <a:spLocks noGrp="1"/>
-          </p:cNvSpPr>
-          <p:nvPr>
-            <p:ph idx="1"/>
-          </p:nvPr>
-        </p:nvSpPr>
-        <p:spPr/>
-        <p:txBody>
-          <a:bodyPr/>
-          <a:lstStyle/>
-          <a:p>
-            <a:endParaRPr lang="pt-BR"/>
-          </a:p>
-        </p:txBody>
-      </p:sp>
-      <p:sp>
-        <p:nvSpPr>
-          <p:cNvPr id="5" name="Retângulo: Cantos Arredondados 4"/>
-          <p:cNvSpPr/>
-          <p:nvPr/>
-        </p:nvSpPr>
-        <p:spPr>
-          <a:xfrm>
-            <a:off x="469900" y="939800"/>
-            <a:ext cx="11252200" cy="5384800"/>
-          </a:xfrm>
-          <a:prstGeom prst="roundRect">
-            <a:avLst/>
-          </a:prstGeom>
-        </p:spPr>
-        <p:style>
-          <a:lnRef idx="2">
-            <a:schemeClr val="accent1">
-              <a:shade val="50000"/>
-            </a:schemeClr>
-          </a:lnRef>
-          <a:fillRef idx="1">
-            <a:schemeClr val="accent1"/>
-          </a:fillRef>
-          <a:effectRef idx="0">
-            <a:schemeClr val="accent1"/>
-          </a:effectRef>
-          <a:fontRef idx="minor">
-            <a:schemeClr val="lt1"/>
-          </a:fontRef>
-        </p:style>
-        <p:txBody>
-          <a:bodyPr rtlCol="0" anchor="ctr"/>
-          <a:lstStyle/>
-          <a:p>
-            <a:pPr algn="ctr"/>
-            <a:r>
-              <a:rPr lang="pt-BR" sz="3600" dirty="0"/>
-              <a:t>Coloque seu </a:t>
-            </a:r>
-            <a:r>
-              <a:rPr lang="pt-BR" sz="3600" dirty="0" err="1"/>
-              <a:t>mockup</a:t>
-            </a:r>
-            <a:r>
-              <a:rPr lang="pt-BR" sz="3600" dirty="0"/>
-              <a:t> AQUI!</a:t>
-            </a:r>
-          </a:p>
-        </p:txBody>
-      </p:sp>
-    </p:spTree>
-    <p:extLst>
-      <p:ext uri="{BB962C8B-B14F-4D97-AF65-F5344CB8AC3E}">
-        <p14:creationId xmlns:p14="http://schemas.microsoft.com/office/powerpoint/2010/main" val="586815094"/>
-      </p:ext>
-    </p:extLst>
-  </p:cSld>
-  <p:clrMapOvr>
-    <a:masterClrMapping/>
-  </p:clrMapOvr>
-</p:sld>
-</file>
-
-<file path=ppt/slides/slide6.xml><?xml version="1.0" encoding="utf-8"?>
-<p:sld xmlns:a="http://schemas.openxmlformats.org/drawingml/2006/main" xmlns:r="http://schemas.openxmlformats.org/officeDocument/2006/relationships" xmlns:p="http://schemas.openxmlformats.org/presentationml/2006/main">
-  <p:cSld>
-    <p:spTree>
-      <p:nvGrpSpPr>
-        <p:cNvPr id="1" name=""/>
-        <p:cNvGrpSpPr/>
-        <p:nvPr/>
-      </p:nvGrpSpPr>
-      <p:grpSpPr>
-        <a:xfrm>
-          <a:off x="0" y="0"/>
-          <a:ext cx="0" cy="0"/>
-          <a:chOff x="0" y="0"/>
-          <a:chExt cx="0" cy="0"/>
-        </a:xfrm>
-      </p:grpSpPr>
-      <p:sp>
-        <p:nvSpPr>
-          <p:cNvPr id="2" name="Título 1"/>
-          <p:cNvSpPr>
-            <a:spLocks noGrp="1"/>
-          </p:cNvSpPr>
-          <p:nvPr>
-            <p:ph type="title"/>
-          </p:nvPr>
-        </p:nvSpPr>
-        <p:spPr>
-          <a:xfrm>
-            <a:off x="266700" y="-104775"/>
-            <a:ext cx="10515600" cy="1325563"/>
-          </a:xfrm>
-        </p:spPr>
-        <p:txBody>
-          <a:bodyPr>
-            <a:normAutofit/>
-          </a:bodyPr>
-          <a:lstStyle/>
-          <a:p>
-            <a:r>
               <a:rPr lang="pt-BR" sz="2800" dirty="0"/>
               <a:t>Referências de cores e tipografia</a:t>
             </a:r>
@@ -4562,10 +4665,66 @@
           </a:xfrm>
         </p:spPr>
         <p:txBody>
-          <a:bodyPr/>
-          <a:lstStyle/>
+          <a:bodyPr>
+            <a:normAutofit lnSpcReduction="10000"/>
+          </a:bodyPr>
+          <a:lstStyle/>
+          <a:p>
+            <a:r>
+              <a:rPr lang="pt-BR" dirty="0"/>
+              <a:t>Fonte da Pagina foi escolhida a :</a:t>
+            </a:r>
+          </a:p>
+          <a:p>
+            <a:r>
+              <a:rPr lang="pt-BR" dirty="0" err="1"/>
+              <a:t>Bondoni</a:t>
+            </a:r>
+            <a:r>
+              <a:rPr lang="pt-BR" dirty="0"/>
+              <a:t> MT</a:t>
+            </a:r>
+          </a:p>
           <a:p>
             <a:endParaRPr lang="pt-BR" dirty="0"/>
+          </a:p>
+          <a:p>
+            <a:r>
+              <a:rPr lang="pt-BR" dirty="0"/>
+              <a:t>Cores:</a:t>
+            </a:r>
+          </a:p>
+          <a:p>
+            <a:r>
+              <a:rPr lang="pt-BR" dirty="0"/>
+              <a:t>Local do Nome do Site: 131, 164, 212</a:t>
+            </a:r>
+          </a:p>
+          <a:p>
+            <a:r>
+              <a:rPr lang="pt-BR" dirty="0"/>
+              <a:t>Cor do Header e da </a:t>
+            </a:r>
+            <a:r>
+              <a:rPr lang="pt-BR" dirty="0" err="1"/>
+              <a:t>NavBar</a:t>
+            </a:r>
+            <a:r>
+              <a:rPr lang="pt-BR" dirty="0"/>
+              <a:t>: 44, 62, 80</a:t>
+            </a:r>
+          </a:p>
+          <a:p>
+            <a:r>
+              <a:rPr lang="pt-BR" dirty="0"/>
+              <a:t>Cor do Fundo: 228, 241, 254</a:t>
+            </a:r>
+          </a:p>
+          <a:p>
+            <a:r>
+              <a:rPr lang="pt-BR" dirty="0"/>
+              <a:t>Foram escolhidas essas cores porque são cores suaves para os olhos e ao mesmo tempo chamam atenção de quem esta lendo. As cores estão sujeitas a alterações pois estamos estudando por alguns gradientes em certas localizações.</a:t>
+            </a:r>
           </a:p>
         </p:txBody>
       </p:sp>
@@ -4582,418 +4741,7 @@
 </p:sld>
 </file>
 
-<file path=ppt/slides/slide7.xml><?xml version="1.0" encoding="utf-8"?>
-<p:sld xmlns:a="http://schemas.openxmlformats.org/drawingml/2006/main" xmlns:r="http://schemas.openxmlformats.org/officeDocument/2006/relationships" xmlns:p="http://schemas.openxmlformats.org/presentationml/2006/main">
-  <p:cSld>
-    <p:spTree>
-      <p:nvGrpSpPr>
-        <p:cNvPr id="1" name=""/>
-        <p:cNvGrpSpPr/>
-        <p:nvPr/>
-      </p:nvGrpSpPr>
-      <p:grpSpPr>
-        <a:xfrm>
-          <a:off x="0" y="0"/>
-          <a:ext cx="0" cy="0"/>
-          <a:chOff x="0" y="0"/>
-          <a:chExt cx="0" cy="0"/>
-        </a:xfrm>
-      </p:grpSpPr>
-      <p:sp>
-        <p:nvSpPr>
-          <p:cNvPr id="2" name="Título 1"/>
-          <p:cNvSpPr>
-            <a:spLocks noGrp="1"/>
-          </p:cNvSpPr>
-          <p:nvPr>
-            <p:ph type="title"/>
-          </p:nvPr>
-        </p:nvSpPr>
-        <p:spPr/>
-        <p:txBody>
-          <a:bodyPr/>
-          <a:lstStyle/>
-          <a:p>
-            <a:endParaRPr lang="pt-BR"/>
-          </a:p>
-        </p:txBody>
-      </p:sp>
-      <p:pic>
-        <p:nvPicPr>
-          <p:cNvPr id="4" name="Shape 374"/>
-          <p:cNvPicPr preferRelativeResize="0"/>
-          <p:nvPr/>
-        </p:nvPicPr>
-        <p:blipFill>
-          <a:blip r:embed="rId2">
-            <a:alphaModFix/>
-          </a:blip>
-          <a:stretch>
-            <a:fillRect/>
-          </a:stretch>
-        </p:blipFill>
-        <p:spPr>
-          <a:xfrm>
-            <a:off x="1763398" y="365124"/>
-            <a:ext cx="8796805" cy="6214095"/>
-          </a:xfrm>
-          <a:prstGeom prst="rect">
-            <a:avLst/>
-          </a:prstGeom>
-          <a:noFill/>
-          <a:ln>
-            <a:noFill/>
-          </a:ln>
-        </p:spPr>
-      </p:pic>
-    </p:spTree>
-    <p:extLst>
-      <p:ext uri="{BB962C8B-B14F-4D97-AF65-F5344CB8AC3E}">
-        <p14:creationId xmlns:p14="http://schemas.microsoft.com/office/powerpoint/2010/main" val="1144521448"/>
-      </p:ext>
-    </p:extLst>
-  </p:cSld>
-  <p:clrMapOvr>
-    <a:masterClrMapping/>
-  </p:clrMapOvr>
-</p:sld>
-</file>
-
-<file path=ppt/slides/slide8.xml><?xml version="1.0" encoding="utf-8"?>
-<p:sld xmlns:a="http://schemas.openxmlformats.org/drawingml/2006/main" xmlns:r="http://schemas.openxmlformats.org/officeDocument/2006/relationships" xmlns:p="http://schemas.openxmlformats.org/presentationml/2006/main">
-  <p:cSld>
-    <p:spTree>
-      <p:nvGrpSpPr>
-        <p:cNvPr id="1" name=""/>
-        <p:cNvGrpSpPr/>
-        <p:nvPr/>
-      </p:nvGrpSpPr>
-      <p:grpSpPr>
-        <a:xfrm>
-          <a:off x="0" y="0"/>
-          <a:ext cx="0" cy="0"/>
-          <a:chOff x="0" y="0"/>
-          <a:chExt cx="0" cy="0"/>
-        </a:xfrm>
-      </p:grpSpPr>
-      <p:sp>
-        <p:nvSpPr>
-          <p:cNvPr id="2" name="Título 1"/>
-          <p:cNvSpPr>
-            <a:spLocks noGrp="1"/>
-          </p:cNvSpPr>
-          <p:nvPr>
-            <p:ph type="title"/>
-          </p:nvPr>
-        </p:nvSpPr>
-        <p:spPr>
-          <a:xfrm>
-            <a:off x="314093" y="-147827"/>
-            <a:ext cx="10515600" cy="1325563"/>
-          </a:xfrm>
-        </p:spPr>
-        <p:txBody>
-          <a:bodyPr/>
-          <a:lstStyle/>
-          <a:p>
-            <a:r>
-              <a:rPr lang="pt-BR" dirty="0"/>
-              <a:t>Referências</a:t>
-            </a:r>
-          </a:p>
-        </p:txBody>
-      </p:sp>
-      <p:sp>
-        <p:nvSpPr>
-          <p:cNvPr id="3" name="Espaço Reservado para Conteúdo 2"/>
-          <p:cNvSpPr>
-            <a:spLocks noGrp="1"/>
-          </p:cNvSpPr>
-          <p:nvPr>
-            <p:ph idx="1"/>
-          </p:nvPr>
-        </p:nvSpPr>
-        <p:spPr>
-          <a:xfrm>
-            <a:off x="838200" y="858644"/>
-            <a:ext cx="10515600" cy="5820936"/>
-          </a:xfrm>
-        </p:spPr>
-        <p:txBody>
-          <a:bodyPr>
-            <a:normAutofit fontScale="62500" lnSpcReduction="20000"/>
-          </a:bodyPr>
-          <a:lstStyle/>
-          <a:p>
-            <a:r>
-              <a:rPr lang="pt-BR" b="1" dirty="0"/>
-              <a:t>Fonte </a:t>
-            </a:r>
-            <a:r>
-              <a:rPr lang="pt-BR" b="1" dirty="0" err="1"/>
-              <a:t>Fjalla</a:t>
-            </a:r>
-            <a:r>
-              <a:rPr lang="pt-BR" b="1" dirty="0"/>
-              <a:t> </a:t>
-            </a:r>
-            <a:r>
-              <a:rPr lang="pt-BR" b="1" dirty="0" err="1"/>
-              <a:t>One</a:t>
-            </a:r>
-            <a:r>
-              <a:rPr lang="pt-BR" b="1" dirty="0"/>
-              <a:t> do cabeçalho e rodapé</a:t>
-            </a:r>
-          </a:p>
-          <a:p>
-            <a:pPr lvl="1"/>
-            <a:r>
-              <a:rPr lang="pt-BR" dirty="0"/>
-              <a:t>Referências que utilizam o mesmo padrão:</a:t>
-            </a:r>
-            <a:br>
-              <a:rPr lang="pt-BR" dirty="0"/>
-            </a:br>
-            <a:r>
-              <a:rPr lang="pt-BR" dirty="0">
-                <a:hlinkClick r:id="rId2"/>
-              </a:rPr>
-              <a:t>http://www.site-ficticio-a.com/pagina-ficticia-1</a:t>
-            </a:r>
-            <a:br>
-              <a:rPr lang="pt-BR" dirty="0"/>
-            </a:br>
-            <a:r>
-              <a:rPr lang="pt-BR" dirty="0">
-                <a:hlinkClick r:id="rId3"/>
-              </a:rPr>
-              <a:t>http://www.site-ficticio-b.com/pagina-ficticia-2</a:t>
-            </a:r>
-            <a:br>
-              <a:rPr lang="pt-BR" dirty="0"/>
-            </a:br>
-            <a:endParaRPr lang="pt-BR" dirty="0"/>
-          </a:p>
-          <a:p>
-            <a:pPr lvl="1"/>
-            <a:r>
-              <a:rPr lang="pt-BR" dirty="0"/>
-              <a:t>Referência que justifica o padrão:</a:t>
-            </a:r>
-            <a:br>
-              <a:rPr lang="pt-BR" dirty="0"/>
-            </a:br>
-            <a:r>
-              <a:rPr lang="pt-BR" dirty="0">
-                <a:hlinkClick r:id="rId4"/>
-              </a:rPr>
-              <a:t>http://www.site-ficticio-e.com/pagina-ficticia-5</a:t>
-            </a:r>
-            <a:br>
-              <a:rPr lang="pt-BR" dirty="0"/>
-            </a:br>
-            <a:r>
-              <a:rPr lang="pt-BR" dirty="0"/>
-              <a:t>Segundo essa página, as características específicas da </a:t>
-            </a:r>
-            <a:r>
-              <a:rPr lang="pt-BR" dirty="0" err="1"/>
-              <a:t>Fjalla</a:t>
-            </a:r>
-            <a:r>
-              <a:rPr lang="pt-BR" dirty="0"/>
-              <a:t> </a:t>
-            </a:r>
-            <a:r>
-              <a:rPr lang="pt-BR" dirty="0" err="1"/>
-              <a:t>One</a:t>
-            </a:r>
-            <a:r>
-              <a:rPr lang="pt-BR" dirty="0"/>
-              <a:t> são adequadas para transmitir seriedade e profissionalismo, que é a imagem que queremos para o portfólio.</a:t>
-            </a:r>
-          </a:p>
-          <a:p>
-            <a:r>
-              <a:rPr lang="pt-BR" b="1" dirty="0"/>
-              <a:t>Fonte </a:t>
-            </a:r>
-            <a:r>
-              <a:rPr lang="pt-BR" b="1" dirty="0" err="1"/>
-              <a:t>Average</a:t>
-            </a:r>
-            <a:endParaRPr lang="pt-BR" b="1" dirty="0"/>
-          </a:p>
-          <a:p>
-            <a:pPr lvl="1"/>
-            <a:r>
-              <a:rPr lang="pt-BR" dirty="0"/>
-              <a:t>Referências que utilizam o mesmo padrão:</a:t>
-            </a:r>
-            <a:br>
-              <a:rPr lang="pt-BR" dirty="0"/>
-            </a:br>
-            <a:r>
-              <a:rPr lang="pt-BR" dirty="0">
-                <a:hlinkClick r:id="rId2"/>
-              </a:rPr>
-              <a:t>http://www.site-ficticio-a.com/pagina-ficticia-1</a:t>
-            </a:r>
-            <a:br>
-              <a:rPr lang="pt-BR" dirty="0"/>
-            </a:br>
-            <a:r>
-              <a:rPr lang="pt-BR" dirty="0">
-                <a:hlinkClick r:id="rId3"/>
-              </a:rPr>
-              <a:t>http://www.site-ficticio-b.com/pagina-ficticia-2</a:t>
-            </a:r>
-            <a:br>
-              <a:rPr lang="pt-BR" dirty="0"/>
-            </a:br>
-            <a:r>
-              <a:rPr lang="pt-BR" dirty="0"/>
-              <a:t>Referência que justifica o padrão:</a:t>
-            </a:r>
-            <a:br>
-              <a:rPr lang="pt-BR" dirty="0"/>
-            </a:br>
-            <a:r>
-              <a:rPr lang="pt-BR" dirty="0">
-                <a:hlinkClick r:id="rId4"/>
-              </a:rPr>
-              <a:t>http://www.site-ficticio-e.com/pagina-ficticia-5</a:t>
-            </a:r>
-            <a:br>
-              <a:rPr lang="pt-BR" dirty="0"/>
-            </a:br>
-            <a:endParaRPr lang="pt-BR" dirty="0"/>
-          </a:p>
-          <a:p>
-            <a:r>
-              <a:rPr lang="pt-BR" b="1" dirty="0"/>
-              <a:t>Cor verde (#76b874) do cabeçalho e rodapé</a:t>
-            </a:r>
-          </a:p>
-          <a:p>
-            <a:pPr lvl="1"/>
-            <a:r>
-              <a:rPr lang="pt-BR" dirty="0"/>
-              <a:t>Referências que utilizam o mesmo padrão:</a:t>
-            </a:r>
-            <a:br>
-              <a:rPr lang="pt-BR" dirty="0"/>
-            </a:br>
-            <a:r>
-              <a:rPr lang="pt-BR" dirty="0">
-                <a:hlinkClick r:id="rId2"/>
-              </a:rPr>
-              <a:t>http://www.site-ficticio-a.com/pagina-ficticia-1</a:t>
-            </a:r>
-            <a:br>
-              <a:rPr lang="pt-BR" dirty="0"/>
-            </a:br>
-            <a:r>
-              <a:rPr lang="pt-BR" dirty="0">
-                <a:hlinkClick r:id="rId3"/>
-              </a:rPr>
-              <a:t>http://www.site-ficticio-b.com/pagina-ficticia-2</a:t>
-            </a:r>
-            <a:br>
-              <a:rPr lang="pt-BR" dirty="0"/>
-            </a:br>
-            <a:r>
-              <a:rPr lang="pt-BR" dirty="0"/>
-              <a:t>Referência que justifica o padrão:</a:t>
-            </a:r>
-            <a:br>
-              <a:rPr lang="pt-BR" dirty="0"/>
-            </a:br>
-            <a:r>
-              <a:rPr lang="pt-BR" dirty="0">
-                <a:hlinkClick r:id="rId4"/>
-              </a:rPr>
-              <a:t>http://www.site-ficticio-e.com/pagina-ficticia-5</a:t>
-            </a:r>
-            <a:br>
-              <a:rPr lang="pt-BR" dirty="0"/>
-            </a:br>
-            <a:endParaRPr lang="pt-BR" b="1" dirty="0"/>
-          </a:p>
-          <a:p>
-            <a:r>
-              <a:rPr lang="pt-BR" b="1" dirty="0"/>
-              <a:t>Cor amarela (#c4c17c) do fundo</a:t>
-            </a:r>
-          </a:p>
-          <a:p>
-            <a:pPr lvl="1"/>
-            <a:r>
-              <a:rPr lang="pt-BR" dirty="0"/>
-              <a:t>Referências que utilizam o mesmo padrão:</a:t>
-            </a:r>
-            <a:br>
-              <a:rPr lang="pt-BR" dirty="0"/>
-            </a:br>
-            <a:r>
-              <a:rPr lang="pt-BR" dirty="0">
-                <a:hlinkClick r:id="rId2"/>
-              </a:rPr>
-              <a:t>http://www.site-ficticio-a.com/pagina-ficticia-1</a:t>
-            </a:r>
-            <a:br>
-              <a:rPr lang="pt-BR" dirty="0"/>
-            </a:br>
-            <a:r>
-              <a:rPr lang="pt-BR" dirty="0">
-                <a:hlinkClick r:id="rId3"/>
-              </a:rPr>
-              <a:t>http://www.site-ficticio-b.com/pagina-ficticia-2</a:t>
-            </a:r>
-            <a:br>
-              <a:rPr lang="pt-BR" dirty="0"/>
-            </a:br>
-            <a:r>
-              <a:rPr lang="pt-BR" dirty="0"/>
-              <a:t>Referência que justifica o padrão:</a:t>
-            </a:r>
-            <a:br>
-              <a:rPr lang="pt-BR" dirty="0"/>
-            </a:br>
-            <a:r>
-              <a:rPr lang="pt-BR" dirty="0">
-                <a:hlinkClick r:id="rId4"/>
-              </a:rPr>
-              <a:t>http://www.site-ficticio-e.com/pagina-ficticia-5</a:t>
-            </a:r>
-            <a:br>
-              <a:rPr lang="pt-BR" dirty="0"/>
-            </a:br>
-            <a:endParaRPr lang="pt-BR" dirty="0"/>
-          </a:p>
-          <a:p>
-            <a:endParaRPr lang="pt-BR" b="1" dirty="0"/>
-          </a:p>
-          <a:p>
-            <a:endParaRPr lang="pt-BR" dirty="0"/>
-          </a:p>
-        </p:txBody>
-      </p:sp>
-    </p:spTree>
-    <p:extLst>
-      <p:ext uri="{BB962C8B-B14F-4D97-AF65-F5344CB8AC3E}">
-        <p14:creationId xmlns:p14="http://schemas.microsoft.com/office/powerpoint/2010/main" val="692573052"/>
-      </p:ext>
-    </p:extLst>
-  </p:cSld>
-  <p:clrMapOvr>
-    <a:masterClrMapping/>
-  </p:clrMapOvr>
-</p:sld>
-</file>
-
-<file path=ppt/slides/slide9.xml><?xml version="1.0" encoding="utf-8"?>
+<file path=ppt/slides/slide13.xml><?xml version="1.0" encoding="utf-8"?>
 <p:sld xmlns:a="http://schemas.openxmlformats.org/drawingml/2006/main" xmlns:r="http://schemas.openxmlformats.org/officeDocument/2006/relationships" xmlns:p="http://schemas.openxmlformats.org/presentationml/2006/main">
   <p:cSld>
     <p:spTree>
@@ -6017,6 +5765,817 @@
 </p:sld>
 </file>
 
+<file path=ppt/slides/slide2.xml><?xml version="1.0" encoding="utf-8"?>
+<p:sld xmlns:a="http://schemas.openxmlformats.org/drawingml/2006/main" xmlns:r="http://schemas.openxmlformats.org/officeDocument/2006/relationships" xmlns:p="http://schemas.openxmlformats.org/presentationml/2006/main">
+  <p:cSld>
+    <p:spTree>
+      <p:nvGrpSpPr>
+        <p:cNvPr id="1" name=""/>
+        <p:cNvGrpSpPr/>
+        <p:nvPr/>
+      </p:nvGrpSpPr>
+      <p:grpSpPr>
+        <a:xfrm>
+          <a:off x="0" y="0"/>
+          <a:ext cx="0" cy="0"/>
+          <a:chOff x="0" y="0"/>
+          <a:chExt cx="0" cy="0"/>
+        </a:xfrm>
+      </p:grpSpPr>
+      <p:sp>
+        <p:nvSpPr>
+          <p:cNvPr id="4" name="Título 3"/>
+          <p:cNvSpPr>
+            <a:spLocks noGrp="1"/>
+          </p:cNvSpPr>
+          <p:nvPr>
+            <p:ph type="title"/>
+          </p:nvPr>
+        </p:nvSpPr>
+        <p:spPr/>
+        <p:txBody>
+          <a:bodyPr/>
+          <a:lstStyle/>
+          <a:p>
+            <a:r>
+              <a:rPr lang="pt-BR" dirty="0"/>
+              <a:t>Equipe: </a:t>
+            </a:r>
+            <a:r>
+              <a:rPr lang="pt-BR" dirty="0" err="1"/>
+              <a:t>Magavica</a:t>
+            </a:r>
+            <a:endParaRPr lang="pt-BR" dirty="0"/>
+          </a:p>
+        </p:txBody>
+      </p:sp>
+      <p:sp>
+        <p:nvSpPr>
+          <p:cNvPr id="5" name="Espaço Reservado para Conteúdo 4"/>
+          <p:cNvSpPr>
+            <a:spLocks noGrp="1"/>
+          </p:cNvSpPr>
+          <p:nvPr>
+            <p:ph idx="1"/>
+          </p:nvPr>
+        </p:nvSpPr>
+        <p:spPr/>
+        <p:txBody>
+          <a:bodyPr/>
+          <a:lstStyle/>
+          <a:p>
+            <a:r>
+              <a:rPr lang="pt-BR" dirty="0"/>
+              <a:t>Gabriel Francato - </a:t>
+            </a:r>
+            <a:r>
+              <a:rPr lang="pt-BR" dirty="0" err="1"/>
+              <a:t>Comp</a:t>
+            </a:r>
+            <a:endParaRPr lang="pt-BR" dirty="0"/>
+          </a:p>
+          <a:p>
+            <a:r>
+              <a:rPr lang="pt-BR" dirty="0"/>
+              <a:t>Vinicius Lima - </a:t>
+            </a:r>
+            <a:r>
+              <a:rPr lang="pt-BR" dirty="0" err="1"/>
+              <a:t>Comp</a:t>
+            </a:r>
+            <a:endParaRPr lang="pt-BR" dirty="0"/>
+          </a:p>
+          <a:p>
+            <a:r>
+              <a:rPr lang="pt-BR" dirty="0"/>
+              <a:t>Carlos </a:t>
+            </a:r>
+            <a:r>
+              <a:rPr lang="pt-BR" dirty="0" err="1"/>
+              <a:t>Cherto</a:t>
+            </a:r>
+            <a:r>
+              <a:rPr lang="pt-BR" dirty="0"/>
+              <a:t> – </a:t>
+            </a:r>
+            <a:r>
+              <a:rPr lang="pt-BR" dirty="0" err="1"/>
+              <a:t>Mecatronica</a:t>
+            </a:r>
+            <a:endParaRPr lang="pt-BR" dirty="0"/>
+          </a:p>
+          <a:p>
+            <a:r>
+              <a:rPr lang="pt-BR" dirty="0"/>
+              <a:t>Matheus Beirão - </a:t>
+            </a:r>
+            <a:r>
+              <a:rPr lang="pt-BR" dirty="0" err="1"/>
+              <a:t>Mecanica</a:t>
+            </a:r>
+            <a:endParaRPr lang="pt-BR" dirty="0"/>
+          </a:p>
+        </p:txBody>
+      </p:sp>
+    </p:spTree>
+    <p:extLst>
+      <p:ext uri="{BB962C8B-B14F-4D97-AF65-F5344CB8AC3E}">
+        <p14:creationId xmlns:p14="http://schemas.microsoft.com/office/powerpoint/2010/main" val="2326868729"/>
+      </p:ext>
+    </p:extLst>
+  </p:cSld>
+  <p:clrMapOvr>
+    <a:masterClrMapping/>
+  </p:clrMapOvr>
+</p:sld>
+</file>
+
+<file path=ppt/slides/slide3.xml><?xml version="1.0" encoding="utf-8"?>
+<p:sld xmlns:a="http://schemas.openxmlformats.org/drawingml/2006/main" xmlns:r="http://schemas.openxmlformats.org/officeDocument/2006/relationships" xmlns:p="http://schemas.openxmlformats.org/presentationml/2006/main">
+  <p:cSld>
+    <p:spTree>
+      <p:nvGrpSpPr>
+        <p:cNvPr id="1" name=""/>
+        <p:cNvGrpSpPr/>
+        <p:nvPr/>
+      </p:nvGrpSpPr>
+      <p:grpSpPr>
+        <a:xfrm>
+          <a:off x="0" y="0"/>
+          <a:ext cx="0" cy="0"/>
+          <a:chOff x="0" y="0"/>
+          <a:chExt cx="0" cy="0"/>
+        </a:xfrm>
+      </p:grpSpPr>
+      <p:sp>
+        <p:nvSpPr>
+          <p:cNvPr id="2" name="Título 1"/>
+          <p:cNvSpPr>
+            <a:spLocks noGrp="1"/>
+          </p:cNvSpPr>
+          <p:nvPr>
+            <p:ph type="title"/>
+          </p:nvPr>
+        </p:nvSpPr>
+        <p:spPr>
+          <a:xfrm>
+            <a:off x="266700" y="-104775"/>
+            <a:ext cx="10515600" cy="1325563"/>
+          </a:xfrm>
+        </p:spPr>
+        <p:txBody>
+          <a:bodyPr>
+            <a:normAutofit/>
+          </a:bodyPr>
+          <a:lstStyle/>
+          <a:p>
+            <a:r>
+              <a:rPr lang="pt-BR" sz="2800" dirty="0" err="1"/>
+              <a:t>Mockup</a:t>
+            </a:r>
+            <a:r>
+              <a:rPr lang="pt-BR" sz="2800" dirty="0"/>
+              <a:t> da página principal</a:t>
+            </a:r>
+          </a:p>
+        </p:txBody>
+      </p:sp>
+      <p:pic>
+        <p:nvPicPr>
+          <p:cNvPr id="6" name="Espaço Reservado para Conteúdo 5">
+            <a:extLst>
+              <a:ext uri="{FF2B5EF4-FFF2-40B4-BE49-F238E27FC236}">
+                <a16:creationId xmlns:a16="http://schemas.microsoft.com/office/drawing/2014/main" id="{253A3C8A-01D2-4AF6-A6BA-D4716F459571}"/>
+              </a:ext>
+            </a:extLst>
+          </p:cNvPr>
+          <p:cNvPicPr>
+            <a:picLocks noGrp="1" noChangeAspect="1"/>
+          </p:cNvPicPr>
+          <p:nvPr>
+            <p:ph idx="1"/>
+          </p:nvPr>
+        </p:nvPicPr>
+        <p:blipFill>
+          <a:blip r:embed="rId2">
+            <a:extLst>
+              <a:ext uri="{28A0092B-C50C-407E-A947-70E740481C1C}">
+                <a14:useLocalDpi xmlns:a14="http://schemas.microsoft.com/office/drawing/2010/main" val="0"/>
+              </a:ext>
+            </a:extLst>
+          </a:blip>
+          <a:stretch>
+            <a:fillRect/>
+          </a:stretch>
+        </p:blipFill>
+        <p:spPr>
+          <a:xfrm>
+            <a:off x="2056136" y="770123"/>
+            <a:ext cx="8511930" cy="5732779"/>
+          </a:xfrm>
+        </p:spPr>
+      </p:pic>
+    </p:spTree>
+    <p:extLst>
+      <p:ext uri="{BB962C8B-B14F-4D97-AF65-F5344CB8AC3E}">
+        <p14:creationId xmlns:p14="http://schemas.microsoft.com/office/powerpoint/2010/main" val="239281794"/>
+      </p:ext>
+    </p:extLst>
+  </p:cSld>
+  <p:clrMapOvr>
+    <a:masterClrMapping/>
+  </p:clrMapOvr>
+</p:sld>
+</file>
+
+<file path=ppt/slides/slide4.xml><?xml version="1.0" encoding="utf-8"?>
+<p:sld xmlns:a="http://schemas.openxmlformats.org/drawingml/2006/main" xmlns:r="http://schemas.openxmlformats.org/officeDocument/2006/relationships" xmlns:p="http://schemas.openxmlformats.org/presentationml/2006/main">
+  <p:cSld>
+    <p:spTree>
+      <p:nvGrpSpPr>
+        <p:cNvPr id="1" name=""/>
+        <p:cNvGrpSpPr/>
+        <p:nvPr/>
+      </p:nvGrpSpPr>
+      <p:grpSpPr>
+        <a:xfrm>
+          <a:off x="0" y="0"/>
+          <a:ext cx="0" cy="0"/>
+          <a:chOff x="0" y="0"/>
+          <a:chExt cx="0" cy="0"/>
+        </a:xfrm>
+      </p:grpSpPr>
+      <p:sp>
+        <p:nvSpPr>
+          <p:cNvPr id="2" name="Título 1"/>
+          <p:cNvSpPr>
+            <a:spLocks noGrp="1"/>
+          </p:cNvSpPr>
+          <p:nvPr>
+            <p:ph type="title"/>
+          </p:nvPr>
+        </p:nvSpPr>
+        <p:spPr>
+          <a:xfrm>
+            <a:off x="266700" y="-104775"/>
+            <a:ext cx="10515600" cy="1325563"/>
+          </a:xfrm>
+        </p:spPr>
+        <p:txBody>
+          <a:bodyPr>
+            <a:normAutofit/>
+          </a:bodyPr>
+          <a:lstStyle/>
+          <a:p>
+            <a:r>
+              <a:rPr lang="pt-BR" sz="2800" dirty="0" err="1"/>
+              <a:t>Mockup</a:t>
+            </a:r>
+            <a:r>
+              <a:rPr lang="pt-BR" sz="2800" dirty="0"/>
+              <a:t> da página de projeto</a:t>
+            </a:r>
+          </a:p>
+        </p:txBody>
+      </p:sp>
+      <p:pic>
+        <p:nvPicPr>
+          <p:cNvPr id="10" name="Espaço Reservado para Conteúdo 9">
+            <a:extLst>
+              <a:ext uri="{FF2B5EF4-FFF2-40B4-BE49-F238E27FC236}">
+                <a16:creationId xmlns:a16="http://schemas.microsoft.com/office/drawing/2014/main" id="{9659E399-EE73-4ECC-A292-50C7C5DFB23A}"/>
+              </a:ext>
+            </a:extLst>
+          </p:cNvPr>
+          <p:cNvPicPr>
+            <a:picLocks noGrp="1" noChangeAspect="1"/>
+          </p:cNvPicPr>
+          <p:nvPr>
+            <p:ph idx="1"/>
+          </p:nvPr>
+        </p:nvPicPr>
+        <p:blipFill>
+          <a:blip r:embed="rId2">
+            <a:extLst>
+              <a:ext uri="{28A0092B-C50C-407E-A947-70E740481C1C}">
+                <a14:useLocalDpi xmlns:a14="http://schemas.microsoft.com/office/drawing/2010/main" val="0"/>
+              </a:ext>
+            </a:extLst>
+          </a:blip>
+          <a:stretch>
+            <a:fillRect/>
+          </a:stretch>
+        </p:blipFill>
+        <p:spPr>
+          <a:xfrm>
+            <a:off x="2360262" y="914400"/>
+            <a:ext cx="7880533" cy="5307533"/>
+          </a:xfrm>
+        </p:spPr>
+      </p:pic>
+    </p:spTree>
+    <p:extLst>
+      <p:ext uri="{BB962C8B-B14F-4D97-AF65-F5344CB8AC3E}">
+        <p14:creationId xmlns:p14="http://schemas.microsoft.com/office/powerpoint/2010/main" val="3973857736"/>
+      </p:ext>
+    </p:extLst>
+  </p:cSld>
+  <p:clrMapOvr>
+    <a:masterClrMapping/>
+  </p:clrMapOvr>
+</p:sld>
+</file>
+
+<file path=ppt/slides/slide5.xml><?xml version="1.0" encoding="utf-8"?>
+<p:sld xmlns:a="http://schemas.openxmlformats.org/drawingml/2006/main" xmlns:r="http://schemas.openxmlformats.org/officeDocument/2006/relationships" xmlns:p="http://schemas.openxmlformats.org/presentationml/2006/main">
+  <p:cSld>
+    <p:spTree>
+      <p:nvGrpSpPr>
+        <p:cNvPr id="1" name=""/>
+        <p:cNvGrpSpPr/>
+        <p:nvPr/>
+      </p:nvGrpSpPr>
+      <p:grpSpPr>
+        <a:xfrm>
+          <a:off x="0" y="0"/>
+          <a:ext cx="0" cy="0"/>
+          <a:chOff x="0" y="0"/>
+          <a:chExt cx="0" cy="0"/>
+        </a:xfrm>
+      </p:grpSpPr>
+      <p:sp>
+        <p:nvSpPr>
+          <p:cNvPr id="2" name="Título 1"/>
+          <p:cNvSpPr>
+            <a:spLocks noGrp="1"/>
+          </p:cNvSpPr>
+          <p:nvPr>
+            <p:ph type="title"/>
+          </p:nvPr>
+        </p:nvSpPr>
+        <p:spPr>
+          <a:xfrm>
+            <a:off x="266700" y="-104775"/>
+            <a:ext cx="10515600" cy="1325563"/>
+          </a:xfrm>
+        </p:spPr>
+        <p:txBody>
+          <a:bodyPr>
+            <a:normAutofit/>
+          </a:bodyPr>
+          <a:lstStyle/>
+          <a:p>
+            <a:r>
+              <a:rPr lang="pt-BR" sz="2800" dirty="0" err="1"/>
+              <a:t>Mockup</a:t>
+            </a:r>
+            <a:r>
+              <a:rPr lang="pt-BR" sz="2800" dirty="0"/>
+              <a:t> da página de projeto</a:t>
+            </a:r>
+          </a:p>
+        </p:txBody>
+      </p:sp>
+      <p:pic>
+        <p:nvPicPr>
+          <p:cNvPr id="6" name="Espaço Reservado para Conteúdo 5">
+            <a:extLst>
+              <a:ext uri="{FF2B5EF4-FFF2-40B4-BE49-F238E27FC236}">
+                <a16:creationId xmlns:a16="http://schemas.microsoft.com/office/drawing/2014/main" id="{80E0952E-B2F7-4550-9771-E931C6AA998B}"/>
+              </a:ext>
+            </a:extLst>
+          </p:cNvPr>
+          <p:cNvPicPr>
+            <a:picLocks noGrp="1" noChangeAspect="1"/>
+          </p:cNvPicPr>
+          <p:nvPr>
+            <p:ph idx="1"/>
+          </p:nvPr>
+        </p:nvPicPr>
+        <p:blipFill>
+          <a:blip r:embed="rId2">
+            <a:extLst>
+              <a:ext uri="{28A0092B-C50C-407E-A947-70E740481C1C}">
+                <a14:useLocalDpi xmlns:a14="http://schemas.microsoft.com/office/drawing/2010/main" val="0"/>
+              </a:ext>
+            </a:extLst>
+          </a:blip>
+          <a:stretch>
+            <a:fillRect/>
+          </a:stretch>
+        </p:blipFill>
+        <p:spPr>
+          <a:xfrm>
+            <a:off x="2351170" y="989351"/>
+            <a:ext cx="7724733" cy="5202602"/>
+          </a:xfrm>
+        </p:spPr>
+      </p:pic>
+    </p:spTree>
+    <p:extLst>
+      <p:ext uri="{BB962C8B-B14F-4D97-AF65-F5344CB8AC3E}">
+        <p14:creationId xmlns:p14="http://schemas.microsoft.com/office/powerpoint/2010/main" val="861636191"/>
+      </p:ext>
+    </p:extLst>
+  </p:cSld>
+  <p:clrMapOvr>
+    <a:masterClrMapping/>
+  </p:clrMapOvr>
+</p:sld>
+</file>
+
+<file path=ppt/slides/slide6.xml><?xml version="1.0" encoding="utf-8"?>
+<p:sld xmlns:a="http://schemas.openxmlformats.org/drawingml/2006/main" xmlns:r="http://schemas.openxmlformats.org/officeDocument/2006/relationships" xmlns:p="http://schemas.openxmlformats.org/presentationml/2006/main">
+  <p:cSld>
+    <p:spTree>
+      <p:nvGrpSpPr>
+        <p:cNvPr id="1" name=""/>
+        <p:cNvGrpSpPr/>
+        <p:nvPr/>
+      </p:nvGrpSpPr>
+      <p:grpSpPr>
+        <a:xfrm>
+          <a:off x="0" y="0"/>
+          <a:ext cx="0" cy="0"/>
+          <a:chOff x="0" y="0"/>
+          <a:chExt cx="0" cy="0"/>
+        </a:xfrm>
+      </p:grpSpPr>
+      <p:sp>
+        <p:nvSpPr>
+          <p:cNvPr id="2" name="Título 1"/>
+          <p:cNvSpPr>
+            <a:spLocks noGrp="1"/>
+          </p:cNvSpPr>
+          <p:nvPr>
+            <p:ph type="title"/>
+          </p:nvPr>
+        </p:nvSpPr>
+        <p:spPr>
+          <a:xfrm>
+            <a:off x="266700" y="-104775"/>
+            <a:ext cx="10515600" cy="1325563"/>
+          </a:xfrm>
+        </p:spPr>
+        <p:txBody>
+          <a:bodyPr>
+            <a:normAutofit/>
+          </a:bodyPr>
+          <a:lstStyle/>
+          <a:p>
+            <a:r>
+              <a:rPr lang="pt-BR" sz="2800" dirty="0" err="1"/>
+              <a:t>Mockup</a:t>
+            </a:r>
+            <a:r>
+              <a:rPr lang="pt-BR" sz="2800" dirty="0"/>
+              <a:t> da página de projeto</a:t>
+            </a:r>
+          </a:p>
+        </p:txBody>
+      </p:sp>
+      <p:pic>
+        <p:nvPicPr>
+          <p:cNvPr id="6" name="Espaço Reservado para Conteúdo 5">
+            <a:extLst>
+              <a:ext uri="{FF2B5EF4-FFF2-40B4-BE49-F238E27FC236}">
+                <a16:creationId xmlns:a16="http://schemas.microsoft.com/office/drawing/2014/main" id="{44B32FD2-8789-41DB-B0A1-19E29DB74C72}"/>
+              </a:ext>
+            </a:extLst>
+          </p:cNvPr>
+          <p:cNvPicPr>
+            <a:picLocks noGrp="1" noChangeAspect="1"/>
+          </p:cNvPicPr>
+          <p:nvPr>
+            <p:ph idx="1"/>
+          </p:nvPr>
+        </p:nvPicPr>
+        <p:blipFill>
+          <a:blip r:embed="rId2">
+            <a:extLst>
+              <a:ext uri="{28A0092B-C50C-407E-A947-70E740481C1C}">
+                <a14:useLocalDpi xmlns:a14="http://schemas.microsoft.com/office/drawing/2010/main" val="0"/>
+              </a:ext>
+            </a:extLst>
+          </a:blip>
+          <a:stretch>
+            <a:fillRect/>
+          </a:stretch>
+        </p:blipFill>
+        <p:spPr>
+          <a:xfrm>
+            <a:off x="2169465" y="944380"/>
+            <a:ext cx="7546676" cy="5082681"/>
+          </a:xfrm>
+        </p:spPr>
+      </p:pic>
+    </p:spTree>
+    <p:extLst>
+      <p:ext uri="{BB962C8B-B14F-4D97-AF65-F5344CB8AC3E}">
+        <p14:creationId xmlns:p14="http://schemas.microsoft.com/office/powerpoint/2010/main" val="1518505288"/>
+      </p:ext>
+    </p:extLst>
+  </p:cSld>
+  <p:clrMapOvr>
+    <a:masterClrMapping/>
+  </p:clrMapOvr>
+</p:sld>
+</file>
+
+<file path=ppt/slides/slide7.xml><?xml version="1.0" encoding="utf-8"?>
+<p:sld xmlns:a="http://schemas.openxmlformats.org/drawingml/2006/main" xmlns:r="http://schemas.openxmlformats.org/officeDocument/2006/relationships" xmlns:p="http://schemas.openxmlformats.org/presentationml/2006/main">
+  <p:cSld>
+    <p:spTree>
+      <p:nvGrpSpPr>
+        <p:cNvPr id="1" name=""/>
+        <p:cNvGrpSpPr/>
+        <p:nvPr/>
+      </p:nvGrpSpPr>
+      <p:grpSpPr>
+        <a:xfrm>
+          <a:off x="0" y="0"/>
+          <a:ext cx="0" cy="0"/>
+          <a:chOff x="0" y="0"/>
+          <a:chExt cx="0" cy="0"/>
+        </a:xfrm>
+      </p:grpSpPr>
+      <p:sp>
+        <p:nvSpPr>
+          <p:cNvPr id="2" name="Título 1"/>
+          <p:cNvSpPr>
+            <a:spLocks noGrp="1"/>
+          </p:cNvSpPr>
+          <p:nvPr>
+            <p:ph type="title"/>
+          </p:nvPr>
+        </p:nvSpPr>
+        <p:spPr>
+          <a:xfrm>
+            <a:off x="266700" y="-104775"/>
+            <a:ext cx="10515600" cy="1325563"/>
+          </a:xfrm>
+        </p:spPr>
+        <p:txBody>
+          <a:bodyPr>
+            <a:normAutofit/>
+          </a:bodyPr>
+          <a:lstStyle/>
+          <a:p>
+            <a:r>
+              <a:rPr lang="pt-BR" sz="2800" dirty="0" err="1"/>
+              <a:t>Mockup</a:t>
+            </a:r>
+            <a:r>
+              <a:rPr lang="pt-BR" sz="2800" dirty="0"/>
+              <a:t> da página de projeto</a:t>
+            </a:r>
+          </a:p>
+        </p:txBody>
+      </p:sp>
+      <p:pic>
+        <p:nvPicPr>
+          <p:cNvPr id="6" name="Espaço Reservado para Conteúdo 5">
+            <a:extLst>
+              <a:ext uri="{FF2B5EF4-FFF2-40B4-BE49-F238E27FC236}">
+                <a16:creationId xmlns:a16="http://schemas.microsoft.com/office/drawing/2014/main" id="{2C42B7E7-CF19-4D45-B7E6-5359676251B5}"/>
+              </a:ext>
+            </a:extLst>
+          </p:cNvPr>
+          <p:cNvPicPr>
+            <a:picLocks noGrp="1" noChangeAspect="1"/>
+          </p:cNvPicPr>
+          <p:nvPr>
+            <p:ph idx="1"/>
+          </p:nvPr>
+        </p:nvPicPr>
+        <p:blipFill>
+          <a:blip r:embed="rId2">
+            <a:extLst>
+              <a:ext uri="{28A0092B-C50C-407E-A947-70E740481C1C}">
+                <a14:useLocalDpi xmlns:a14="http://schemas.microsoft.com/office/drawing/2010/main" val="0"/>
+              </a:ext>
+            </a:extLst>
+          </a:blip>
+          <a:stretch>
+            <a:fillRect/>
+          </a:stretch>
+        </p:blipFill>
+        <p:spPr>
+          <a:xfrm>
+            <a:off x="2200356" y="1034322"/>
+            <a:ext cx="7635705" cy="5142642"/>
+          </a:xfrm>
+        </p:spPr>
+      </p:pic>
+    </p:spTree>
+    <p:extLst>
+      <p:ext uri="{BB962C8B-B14F-4D97-AF65-F5344CB8AC3E}">
+        <p14:creationId xmlns:p14="http://schemas.microsoft.com/office/powerpoint/2010/main" val="2548591654"/>
+      </p:ext>
+    </p:extLst>
+  </p:cSld>
+  <p:clrMapOvr>
+    <a:masterClrMapping/>
+  </p:clrMapOvr>
+</p:sld>
+</file>
+
+<file path=ppt/slides/slide8.xml><?xml version="1.0" encoding="utf-8"?>
+<p:sld xmlns:a="http://schemas.openxmlformats.org/drawingml/2006/main" xmlns:r="http://schemas.openxmlformats.org/officeDocument/2006/relationships" xmlns:p="http://schemas.openxmlformats.org/presentationml/2006/main">
+  <p:cSld>
+    <p:spTree>
+      <p:nvGrpSpPr>
+        <p:cNvPr id="1" name=""/>
+        <p:cNvGrpSpPr/>
+        <p:nvPr/>
+      </p:nvGrpSpPr>
+      <p:grpSpPr>
+        <a:xfrm>
+          <a:off x="0" y="0"/>
+          <a:ext cx="0" cy="0"/>
+          <a:chOff x="0" y="0"/>
+          <a:chExt cx="0" cy="0"/>
+        </a:xfrm>
+      </p:grpSpPr>
+      <p:sp>
+        <p:nvSpPr>
+          <p:cNvPr id="2" name="Título 1"/>
+          <p:cNvSpPr>
+            <a:spLocks noGrp="1"/>
+          </p:cNvSpPr>
+          <p:nvPr>
+            <p:ph type="title"/>
+          </p:nvPr>
+        </p:nvSpPr>
+        <p:spPr>
+          <a:xfrm>
+            <a:off x="266700" y="-104775"/>
+            <a:ext cx="10515600" cy="1325563"/>
+          </a:xfrm>
+        </p:spPr>
+        <p:txBody>
+          <a:bodyPr>
+            <a:normAutofit/>
+          </a:bodyPr>
+          <a:lstStyle/>
+          <a:p>
+            <a:r>
+              <a:rPr lang="pt-BR" sz="2800" dirty="0" err="1"/>
+              <a:t>Mockup</a:t>
+            </a:r>
+            <a:r>
+              <a:rPr lang="pt-BR" sz="2800" dirty="0"/>
+              <a:t> da página Sobre Mim</a:t>
+            </a:r>
+          </a:p>
+        </p:txBody>
+      </p:sp>
+      <p:pic>
+        <p:nvPicPr>
+          <p:cNvPr id="10" name="Espaço Reservado para Conteúdo 9">
+            <a:extLst>
+              <a:ext uri="{FF2B5EF4-FFF2-40B4-BE49-F238E27FC236}">
+                <a16:creationId xmlns:a16="http://schemas.microsoft.com/office/drawing/2014/main" id="{B0B47F7F-4787-4535-BB5B-06711B026905}"/>
+              </a:ext>
+            </a:extLst>
+          </p:cNvPr>
+          <p:cNvPicPr>
+            <a:picLocks noGrp="1" noChangeAspect="1"/>
+          </p:cNvPicPr>
+          <p:nvPr>
+            <p:ph idx="1"/>
+          </p:nvPr>
+        </p:nvPicPr>
+        <p:blipFill>
+          <a:blip r:embed="rId2">
+            <a:extLst>
+              <a:ext uri="{28A0092B-C50C-407E-A947-70E740481C1C}">
+                <a14:useLocalDpi xmlns:a14="http://schemas.microsoft.com/office/drawing/2010/main" val="0"/>
+              </a:ext>
+            </a:extLst>
+          </a:blip>
+          <a:stretch>
+            <a:fillRect/>
+          </a:stretch>
+        </p:blipFill>
+        <p:spPr>
+          <a:xfrm>
+            <a:off x="2353457" y="964575"/>
+            <a:ext cx="7917320" cy="5332309"/>
+          </a:xfrm>
+        </p:spPr>
+      </p:pic>
+    </p:spTree>
+    <p:extLst>
+      <p:ext uri="{BB962C8B-B14F-4D97-AF65-F5344CB8AC3E}">
+        <p14:creationId xmlns:p14="http://schemas.microsoft.com/office/powerpoint/2010/main" val="586815094"/>
+      </p:ext>
+    </p:extLst>
+  </p:cSld>
+  <p:clrMapOvr>
+    <a:masterClrMapping/>
+  </p:clrMapOvr>
+</p:sld>
+</file>
+
+<file path=ppt/slides/slide9.xml><?xml version="1.0" encoding="utf-8"?>
+<p:sld xmlns:a="http://schemas.openxmlformats.org/drawingml/2006/main" xmlns:r="http://schemas.openxmlformats.org/officeDocument/2006/relationships" xmlns:p="http://schemas.openxmlformats.org/presentationml/2006/main">
+  <p:cSld>
+    <p:spTree>
+      <p:nvGrpSpPr>
+        <p:cNvPr id="1" name=""/>
+        <p:cNvGrpSpPr/>
+        <p:nvPr/>
+      </p:nvGrpSpPr>
+      <p:grpSpPr>
+        <a:xfrm>
+          <a:off x="0" y="0"/>
+          <a:ext cx="0" cy="0"/>
+          <a:chOff x="0" y="0"/>
+          <a:chExt cx="0" cy="0"/>
+        </a:xfrm>
+      </p:grpSpPr>
+      <p:sp>
+        <p:nvSpPr>
+          <p:cNvPr id="2" name="Título 1"/>
+          <p:cNvSpPr>
+            <a:spLocks noGrp="1"/>
+          </p:cNvSpPr>
+          <p:nvPr>
+            <p:ph type="title"/>
+          </p:nvPr>
+        </p:nvSpPr>
+        <p:spPr>
+          <a:xfrm>
+            <a:off x="266700" y="-104775"/>
+            <a:ext cx="10515600" cy="1325563"/>
+          </a:xfrm>
+        </p:spPr>
+        <p:txBody>
+          <a:bodyPr>
+            <a:normAutofit/>
+          </a:bodyPr>
+          <a:lstStyle/>
+          <a:p>
+            <a:r>
+              <a:rPr lang="pt-BR" sz="2800" dirty="0" err="1"/>
+              <a:t>Mockup</a:t>
+            </a:r>
+            <a:r>
+              <a:rPr lang="pt-BR" sz="2800" dirty="0"/>
+              <a:t> da página Sobre Mim</a:t>
+            </a:r>
+          </a:p>
+        </p:txBody>
+      </p:sp>
+      <p:pic>
+        <p:nvPicPr>
+          <p:cNvPr id="8" name="Espaço Reservado para Conteúdo 7">
+            <a:extLst>
+              <a:ext uri="{FF2B5EF4-FFF2-40B4-BE49-F238E27FC236}">
+                <a16:creationId xmlns:a16="http://schemas.microsoft.com/office/drawing/2014/main" id="{BC3C4950-EA1D-4858-9D29-9BCF96206B87}"/>
+              </a:ext>
+            </a:extLst>
+          </p:cNvPr>
+          <p:cNvPicPr>
+            <a:picLocks noGrp="1" noChangeAspect="1"/>
+          </p:cNvPicPr>
+          <p:nvPr>
+            <p:ph idx="1"/>
+          </p:nvPr>
+        </p:nvPicPr>
+        <p:blipFill>
+          <a:blip r:embed="rId2">
+            <a:extLst>
+              <a:ext uri="{28A0092B-C50C-407E-A947-70E740481C1C}">
+                <a14:useLocalDpi xmlns:a14="http://schemas.microsoft.com/office/drawing/2010/main" val="0"/>
+              </a:ext>
+            </a:extLst>
+          </a:blip>
+          <a:stretch>
+            <a:fillRect/>
+          </a:stretch>
+        </p:blipFill>
+        <p:spPr>
+          <a:xfrm>
+            <a:off x="2413411" y="869430"/>
+            <a:ext cx="7947305" cy="5352504"/>
+          </a:xfrm>
+        </p:spPr>
+      </p:pic>
+    </p:spTree>
+    <p:extLst>
+      <p:ext uri="{BB962C8B-B14F-4D97-AF65-F5344CB8AC3E}">
+        <p14:creationId xmlns:p14="http://schemas.microsoft.com/office/powerpoint/2010/main" val="1582869447"/>
+      </p:ext>
+    </p:extLst>
+  </p:cSld>
+  <p:clrMapOvr>
+    <a:masterClrMapping/>
+  </p:clrMapOvr>
+</p:sld>
+</file>
+
 <file path=ppt/theme/theme1.xml><?xml version="1.0" encoding="utf-8"?>
 <a:theme xmlns:a="http://schemas.openxmlformats.org/drawingml/2006/main" name="Tema do Office">
   <a:themeElements>

--- a/Entrega03.pptx
+++ b/Entrega03.pptx
@@ -132,7 +132,7 @@
   <pc:docChgLst>
     <pc:chgData name="Gabriel Francato" userId="3af3e02e9cba9d2e" providerId="LiveId" clId="{983F37F2-E5EB-4BD1-97B2-4D1FCA9A9531}"/>
     <pc:docChg chg="undo custSel addSld delSld modSld">
-      <pc:chgData name="Gabriel Francato" userId="3af3e02e9cba9d2e" providerId="LiveId" clId="{983F37F2-E5EB-4BD1-97B2-4D1FCA9A9531}" dt="2017-09-06T01:48:09.741" v="864" actId="20577"/>
+      <pc:chgData name="Gabriel Francato" userId="3af3e02e9cba9d2e" providerId="LiveId" clId="{983F37F2-E5EB-4BD1-97B2-4D1FCA9A9531}" dt="2017-09-06T16:44:44.119" v="1138" actId="1076"/>
       <pc:docMkLst>
         <pc:docMk/>
       </pc:docMkLst>
@@ -160,13 +160,21 @@
         </pc:spChg>
       </pc:sldChg>
       <pc:sldChg chg="addSp delSp modSp">
-        <pc:chgData name="Gabriel Francato" userId="3af3e02e9cba9d2e" providerId="LiveId" clId="{983F37F2-E5EB-4BD1-97B2-4D1FCA9A9531}" dt="2017-09-06T00:57:24.202" v="5" actId="1076"/>
+        <pc:chgData name="Gabriel Francato" userId="3af3e02e9cba9d2e" providerId="LiveId" clId="{983F37F2-E5EB-4BD1-97B2-4D1FCA9A9531}" dt="2017-09-06T16:44:44.119" v="1138" actId="1076"/>
         <pc:sldMkLst>
           <pc:docMk/>
           <pc:sldMk cId="239281794" sldId="261"/>
         </pc:sldMkLst>
+        <pc:spChg chg="add del mod">
+          <ac:chgData name="Gabriel Francato" userId="3af3e02e9cba9d2e" providerId="LiveId" clId="{983F37F2-E5EB-4BD1-97B2-4D1FCA9A9531}" dt="2017-09-06T16:44:38.173" v="1136"/>
+          <ac:spMkLst>
+            <pc:docMk/>
+            <pc:sldMk cId="239281794" sldId="261"/>
+            <ac:spMk id="4" creationId="{5006B7DC-F1C7-405D-AEF1-574F958DB5D1}"/>
+          </ac:spMkLst>
+        </pc:spChg>
         <pc:spChg chg="del">
-          <ac:chgData name="Gabriel Francato" userId="3af3e02e9cba9d2e" providerId="LiveId" clId="{983F37F2-E5EB-4BD1-97B2-4D1FCA9A9531}" dt="2017-09-06T00:57:15.093" v="1"/>
+          <ac:chgData name="Gabriel Francato" userId="3af3e02e9cba9d2e" providerId="LiveId" clId="{983F37F2-E5EB-4BD1-97B2-4D1FCA9A9531}" dt="2017-09-06T00:57:15.093" v="1" actId="1076"/>
           <ac:spMkLst>
             <pc:docMk/>
             <pc:sldMk cId="239281794" sldId="261"/>
@@ -181,23 +189,39 @@
             <ac:spMk id="5" creationId="{00000000-0000-0000-0000-000000000000}"/>
           </ac:spMkLst>
         </pc:spChg>
-        <pc:picChg chg="add mod">
-          <ac:chgData name="Gabriel Francato" userId="3af3e02e9cba9d2e" providerId="LiveId" clId="{983F37F2-E5EB-4BD1-97B2-4D1FCA9A9531}" dt="2017-09-06T00:57:24.202" v="5" actId="1076"/>
+        <pc:picChg chg="add del mod">
+          <ac:chgData name="Gabriel Francato" userId="3af3e02e9cba9d2e" providerId="LiveId" clId="{983F37F2-E5EB-4BD1-97B2-4D1FCA9A9531}" dt="2017-09-06T16:44:17.711" v="1135" actId="478"/>
           <ac:picMkLst>
             <pc:docMk/>
             <pc:sldMk cId="239281794" sldId="261"/>
             <ac:picMk id="6" creationId="{253A3C8A-01D2-4AF6-A6BA-D4716F459571}"/>
           </ac:picMkLst>
         </pc:picChg>
+        <pc:picChg chg="add mod">
+          <ac:chgData name="Gabriel Francato" userId="3af3e02e9cba9d2e" providerId="LiveId" clId="{983F37F2-E5EB-4BD1-97B2-4D1FCA9A9531}" dt="2017-09-06T16:44:44.119" v="1138" actId="1076"/>
+          <ac:picMkLst>
+            <pc:docMk/>
+            <pc:sldMk cId="239281794" sldId="261"/>
+            <ac:picMk id="7" creationId="{5A7E4684-810B-4528-B81A-270DA89643AC}"/>
+          </ac:picMkLst>
+        </pc:picChg>
       </pc:sldChg>
       <pc:sldChg chg="addSp delSp modSp">
-        <pc:chgData name="Gabriel Francato" userId="3af3e02e9cba9d2e" providerId="LiveId" clId="{983F37F2-E5EB-4BD1-97B2-4D1FCA9A9531}" dt="2017-09-06T01:42:44.955" v="80" actId="1076"/>
+        <pc:chgData name="Gabriel Francato" userId="3af3e02e9cba9d2e" providerId="LiveId" clId="{983F37F2-E5EB-4BD1-97B2-4D1FCA9A9531}" dt="2017-09-06T02:35:51.545" v="871" actId="20577"/>
         <pc:sldMkLst>
           <pc:docMk/>
           <pc:sldMk cId="3973857736" sldId="262"/>
         </pc:sldMkLst>
+        <pc:spChg chg="mod">
+          <ac:chgData name="Gabriel Francato" userId="3af3e02e9cba9d2e" providerId="LiveId" clId="{983F37F2-E5EB-4BD1-97B2-4D1FCA9A9531}" dt="2017-09-06T02:35:51.545" v="871" actId="20577"/>
+          <ac:spMkLst>
+            <pc:docMk/>
+            <pc:sldMk cId="3973857736" sldId="262"/>
+            <ac:spMk id="2" creationId="{00000000-0000-0000-0000-000000000000}"/>
+          </ac:spMkLst>
+        </pc:spChg>
         <pc:spChg chg="add del">
-          <ac:chgData name="Gabriel Francato" userId="3af3e02e9cba9d2e" providerId="LiveId" clId="{983F37F2-E5EB-4BD1-97B2-4D1FCA9A9531}" dt="2017-09-06T01:42:42.263" v="78"/>
+          <ac:chgData name="Gabriel Francato" userId="3af3e02e9cba9d2e" providerId="LiveId" clId="{983F37F2-E5EB-4BD1-97B2-4D1FCA9A9531}" dt="2017-09-06T01:42:42.263" v="78" actId="1076"/>
           <ac:spMkLst>
             <pc:docMk/>
             <pc:sldMk cId="3973857736" sldId="262"/>
@@ -221,7 +245,7 @@
           </ac:spMkLst>
         </pc:spChg>
         <pc:picChg chg="add del mod">
-          <ac:chgData name="Gabriel Francato" userId="3af3e02e9cba9d2e" providerId="LiveId" clId="{983F37F2-E5EB-4BD1-97B2-4D1FCA9A9531}" dt="2017-09-06T01:41:17.412" v="40"/>
+          <ac:chgData name="Gabriel Francato" userId="3af3e02e9cba9d2e" providerId="LiveId" clId="{983F37F2-E5EB-4BD1-97B2-4D1FCA9A9531}" dt="2017-09-06T01:41:17.412" v="40" actId="1076"/>
           <ac:picMkLst>
             <pc:docMk/>
             <pc:sldMk cId="3973857736" sldId="262"/>
@@ -238,17 +262,33 @@
         </pc:picChg>
       </pc:sldChg>
       <pc:sldChg chg="addSp delSp modSp">
-        <pc:chgData name="Gabriel Francato" userId="3af3e02e9cba9d2e" providerId="LiveId" clId="{983F37F2-E5EB-4BD1-97B2-4D1FCA9A9531}" dt="2017-09-06T01:39:05.438" v="17" actId="1076"/>
+        <pc:chgData name="Gabriel Francato" userId="3af3e02e9cba9d2e" providerId="LiveId" clId="{983F37F2-E5EB-4BD1-97B2-4D1FCA9A9531}" dt="2017-09-06T02:36:27.055" v="911" actId="20577"/>
         <pc:sldMkLst>
           <pc:docMk/>
           <pc:sldMk cId="586815094" sldId="263"/>
         </pc:sldMkLst>
+        <pc:spChg chg="mod">
+          <ac:chgData name="Gabriel Francato" userId="3af3e02e9cba9d2e" providerId="LiveId" clId="{983F37F2-E5EB-4BD1-97B2-4D1FCA9A9531}" dt="2017-09-06T02:36:27.055" v="911" actId="20577"/>
+          <ac:spMkLst>
+            <pc:docMk/>
+            <pc:sldMk cId="586815094" sldId="263"/>
+            <ac:spMk id="2" creationId="{00000000-0000-0000-0000-000000000000}"/>
+          </ac:spMkLst>
+        </pc:spChg>
         <pc:spChg chg="del">
-          <ac:chgData name="Gabriel Francato" userId="3af3e02e9cba9d2e" providerId="LiveId" clId="{983F37F2-E5EB-4BD1-97B2-4D1FCA9A9531}" dt="2017-09-06T01:12:24.358" v="10"/>
+          <ac:chgData name="Gabriel Francato" userId="3af3e02e9cba9d2e" providerId="LiveId" clId="{983F37F2-E5EB-4BD1-97B2-4D1FCA9A9531}" dt="2017-09-06T01:12:24.358" v="10" actId="1076"/>
           <ac:spMkLst>
             <pc:docMk/>
             <pc:sldMk cId="586815094" sldId="263"/>
             <ac:spMk id="4" creationId="{00000000-0000-0000-0000-000000000000}"/>
+          </ac:spMkLst>
+        </pc:spChg>
+        <pc:spChg chg="add del mod">
+          <ac:chgData name="Gabriel Francato" userId="3af3e02e9cba9d2e" providerId="LiveId" clId="{983F37F2-E5EB-4BD1-97B2-4D1FCA9A9531}" dt="2017-09-06T02:36:19.557" v="898" actId="20577"/>
+          <ac:spMkLst>
+            <pc:docMk/>
+            <pc:sldMk cId="586815094" sldId="263"/>
+            <ac:spMk id="4" creationId="{39A9367C-9314-4DE9-AE56-1C305FD27842}"/>
           </ac:spMkLst>
         </pc:spChg>
         <pc:spChg chg="del">
@@ -260,7 +300,7 @@
           </ac:spMkLst>
         </pc:spChg>
         <pc:spChg chg="add del mod">
-          <ac:chgData name="Gabriel Francato" userId="3af3e02e9cba9d2e" providerId="LiveId" clId="{983F37F2-E5EB-4BD1-97B2-4D1FCA9A9531}" dt="2017-09-06T01:39:01.702" v="15"/>
+          <ac:chgData name="Gabriel Francato" userId="3af3e02e9cba9d2e" providerId="LiveId" clId="{983F37F2-E5EB-4BD1-97B2-4D1FCA9A9531}" dt="2017-09-06T01:39:01.702" v="15" actId="1076"/>
           <ac:spMkLst>
             <pc:docMk/>
             <pc:sldMk cId="586815094" sldId="263"/>
@@ -276,7 +316,15 @@
           </ac:picMkLst>
         </pc:picChg>
         <pc:picChg chg="add mod">
-          <ac:chgData name="Gabriel Francato" userId="3af3e02e9cba9d2e" providerId="LiveId" clId="{983F37F2-E5EB-4BD1-97B2-4D1FCA9A9531}" dt="2017-09-06T01:39:05.438" v="17" actId="1076"/>
+          <ac:chgData name="Gabriel Francato" userId="3af3e02e9cba9d2e" providerId="LiveId" clId="{983F37F2-E5EB-4BD1-97B2-4D1FCA9A9531}" dt="2017-09-06T02:36:23.085" v="900" actId="1076"/>
+          <ac:picMkLst>
+            <pc:docMk/>
+            <pc:sldMk cId="586815094" sldId="263"/>
+            <ac:picMk id="6" creationId="{F5AC868C-C7F7-43FE-A33D-1106C742370C}"/>
+          </ac:picMkLst>
+        </pc:picChg>
+        <pc:picChg chg="add del mod">
+          <ac:chgData name="Gabriel Francato" userId="3af3e02e9cba9d2e" providerId="LiveId" clId="{983F37F2-E5EB-4BD1-97B2-4D1FCA9A9531}" dt="2017-09-06T02:36:09.698" v="897" actId="478"/>
           <ac:picMkLst>
             <pc:docMk/>
             <pc:sldMk cId="586815094" sldId="263"/>
@@ -285,13 +333,13 @@
         </pc:picChg>
       </pc:sldChg>
       <pc:sldChg chg="modSp">
-        <pc:chgData name="Gabriel Francato" userId="3af3e02e9cba9d2e" providerId="LiveId" clId="{983F37F2-E5EB-4BD1-97B2-4D1FCA9A9531}" dt="2017-09-06T01:47:02.928" v="682" actId="20577"/>
+        <pc:chgData name="Gabriel Francato" userId="3af3e02e9cba9d2e" providerId="LiveId" clId="{983F37F2-E5EB-4BD1-97B2-4D1FCA9A9531}" dt="2017-09-06T16:39:37.055" v="1134" actId="1076"/>
         <pc:sldMkLst>
           <pc:docMk/>
           <pc:sldMk cId="1519267962" sldId="268"/>
         </pc:sldMkLst>
         <pc:spChg chg="mod">
-          <ac:chgData name="Gabriel Francato" userId="3af3e02e9cba9d2e" providerId="LiveId" clId="{983F37F2-E5EB-4BD1-97B2-4D1FCA9A9531}" dt="2017-09-06T01:47:02.928" v="682" actId="20577"/>
+          <ac:chgData name="Gabriel Francato" userId="3af3e02e9cba9d2e" providerId="LiveId" clId="{983F37F2-E5EB-4BD1-97B2-4D1FCA9A9531}" dt="2017-09-06T16:39:37.055" v="1134" actId="1076"/>
           <ac:spMkLst>
             <pc:docMk/>
             <pc:sldMk cId="1519267962" sldId="268"/>
@@ -314,13 +362,21 @@
         </pc:sldMkLst>
       </pc:sldChg>
       <pc:sldChg chg="addSp delSp modSp add">
-        <pc:chgData name="Gabriel Francato" userId="3af3e02e9cba9d2e" providerId="LiveId" clId="{983F37F2-E5EB-4BD1-97B2-4D1FCA9A9531}" dt="2017-09-06T01:42:23.639" v="73" actId="1076"/>
+        <pc:chgData name="Gabriel Francato" userId="3af3e02e9cba9d2e" providerId="LiveId" clId="{983F37F2-E5EB-4BD1-97B2-4D1FCA9A9531}" dt="2017-09-06T02:36:58.591" v="940" actId="20577"/>
         <pc:sldMkLst>
           <pc:docMk/>
           <pc:sldMk cId="4054959771" sldId="272"/>
         </pc:sldMkLst>
+        <pc:spChg chg="mod">
+          <ac:chgData name="Gabriel Francato" userId="3af3e02e9cba9d2e" providerId="LiveId" clId="{983F37F2-E5EB-4BD1-97B2-4D1FCA9A9531}" dt="2017-09-06T02:36:58.591" v="940" actId="20577"/>
+          <ac:spMkLst>
+            <pc:docMk/>
+            <pc:sldMk cId="4054959771" sldId="272"/>
+            <ac:spMk id="2" creationId="{00000000-0000-0000-0000-000000000000}"/>
+          </ac:spMkLst>
+        </pc:spChg>
         <pc:spChg chg="add del">
-          <ac:chgData name="Gabriel Francato" userId="3af3e02e9cba9d2e" providerId="LiveId" clId="{983F37F2-E5EB-4BD1-97B2-4D1FCA9A9531}" dt="2017-09-06T01:42:14.328" v="68"/>
+          <ac:chgData name="Gabriel Francato" userId="3af3e02e9cba9d2e" providerId="LiveId" clId="{983F37F2-E5EB-4BD1-97B2-4D1FCA9A9531}" dt="2017-09-06T01:42:14.328" v="68" actId="1076"/>
           <ac:spMkLst>
             <pc:docMk/>
             <pc:sldMk cId="4054959771" sldId="272"/>
@@ -336,7 +392,7 @@
           </ac:spMkLst>
         </pc:spChg>
         <pc:picChg chg="add del mod">
-          <ac:chgData name="Gabriel Francato" userId="3af3e02e9cba9d2e" providerId="LiveId" clId="{983F37F2-E5EB-4BD1-97B2-4D1FCA9A9531}" dt="2017-09-06T01:41:22.340" v="48"/>
+          <ac:chgData name="Gabriel Francato" userId="3af3e02e9cba9d2e" providerId="LiveId" clId="{983F37F2-E5EB-4BD1-97B2-4D1FCA9A9531}" dt="2017-09-06T01:41:22.340" v="48" actId="1076"/>
           <ac:picMkLst>
             <pc:docMk/>
             <pc:sldMk cId="4054959771" sldId="272"/>
@@ -353,13 +409,21 @@
         </pc:picChg>
       </pc:sldChg>
       <pc:sldChg chg="addSp delSp modSp add">
-        <pc:chgData name="Gabriel Francato" userId="3af3e02e9cba9d2e" providerId="LiveId" clId="{983F37F2-E5EB-4BD1-97B2-4D1FCA9A9531}" dt="2017-09-06T01:42:05.029" v="66" actId="1076"/>
+        <pc:chgData name="Gabriel Francato" userId="3af3e02e9cba9d2e" providerId="LiveId" clId="{983F37F2-E5EB-4BD1-97B2-4D1FCA9A9531}" dt="2017-09-06T02:36:52.532" v="931" actId="20577"/>
         <pc:sldMkLst>
           <pc:docMk/>
           <pc:sldMk cId="2945745090" sldId="273"/>
         </pc:sldMkLst>
+        <pc:spChg chg="mod">
+          <ac:chgData name="Gabriel Francato" userId="3af3e02e9cba9d2e" providerId="LiveId" clId="{983F37F2-E5EB-4BD1-97B2-4D1FCA9A9531}" dt="2017-09-06T02:36:52.532" v="931" actId="20577"/>
+          <ac:spMkLst>
+            <pc:docMk/>
+            <pc:sldMk cId="2945745090" sldId="273"/>
+            <ac:spMk id="2" creationId="{00000000-0000-0000-0000-000000000000}"/>
+          </ac:spMkLst>
+        </pc:spChg>
         <pc:spChg chg="add del">
-          <ac:chgData name="Gabriel Francato" userId="3af3e02e9cba9d2e" providerId="LiveId" clId="{983F37F2-E5EB-4BD1-97B2-4D1FCA9A9531}" dt="2017-09-06T01:42:02.341" v="64"/>
+          <ac:chgData name="Gabriel Francato" userId="3af3e02e9cba9d2e" providerId="LiveId" clId="{983F37F2-E5EB-4BD1-97B2-4D1FCA9A9531}" dt="2017-09-06T01:42:02.341" v="64" actId="1076"/>
           <ac:spMkLst>
             <pc:docMk/>
             <pc:sldMk cId="2945745090" sldId="273"/>
@@ -375,7 +439,7 @@
           </ac:spMkLst>
         </pc:spChg>
         <pc:picChg chg="add del mod">
-          <ac:chgData name="Gabriel Francato" userId="3af3e02e9cba9d2e" providerId="LiveId" clId="{983F37F2-E5EB-4BD1-97B2-4D1FCA9A9531}" dt="2017-09-06T01:41:26.537" v="54"/>
+          <ac:chgData name="Gabriel Francato" userId="3af3e02e9cba9d2e" providerId="LiveId" clId="{983F37F2-E5EB-4BD1-97B2-4D1FCA9A9531}" dt="2017-09-06T01:41:26.537" v="54" actId="1076"/>
           <ac:picMkLst>
             <pc:docMk/>
             <pc:sldMk cId="2945745090" sldId="273"/>
@@ -392,17 +456,33 @@
         </pc:picChg>
       </pc:sldChg>
       <pc:sldChg chg="addSp delSp modSp add">
-        <pc:chgData name="Gabriel Francato" userId="3af3e02e9cba9d2e" providerId="LiveId" clId="{983F37F2-E5EB-4BD1-97B2-4D1FCA9A9531}" dt="2017-09-06T01:41:51.835" v="62" actId="1076"/>
+        <pc:chgData name="Gabriel Francato" userId="3af3e02e9cba9d2e" providerId="LiveId" clId="{983F37F2-E5EB-4BD1-97B2-4D1FCA9A9531}" dt="2017-09-06T02:36:45.390" v="923" actId="20577"/>
         <pc:sldMkLst>
           <pc:docMk/>
           <pc:sldMk cId="1582869447" sldId="274"/>
         </pc:sldMkLst>
+        <pc:spChg chg="mod">
+          <ac:chgData name="Gabriel Francato" userId="3af3e02e9cba9d2e" providerId="LiveId" clId="{983F37F2-E5EB-4BD1-97B2-4D1FCA9A9531}" dt="2017-09-06T02:36:45.390" v="923" actId="20577"/>
+          <ac:spMkLst>
+            <pc:docMk/>
+            <pc:sldMk cId="1582869447" sldId="274"/>
+            <ac:spMk id="2" creationId="{00000000-0000-0000-0000-000000000000}"/>
+          </ac:spMkLst>
+        </pc:spChg>
         <pc:spChg chg="add del">
-          <ac:chgData name="Gabriel Francato" userId="3af3e02e9cba9d2e" providerId="LiveId" clId="{983F37F2-E5EB-4BD1-97B2-4D1FCA9A9531}" dt="2017-09-06T01:41:47.218" v="59"/>
+          <ac:chgData name="Gabriel Francato" userId="3af3e02e9cba9d2e" providerId="LiveId" clId="{983F37F2-E5EB-4BD1-97B2-4D1FCA9A9531}" dt="2017-09-06T01:41:47.218" v="59" actId="1076"/>
           <ac:spMkLst>
             <pc:docMk/>
             <pc:sldMk cId="1582869447" sldId="274"/>
             <ac:spMk id="4" creationId="{00000000-0000-0000-0000-000000000000}"/>
+          </ac:spMkLst>
+        </pc:spChg>
+        <pc:spChg chg="add del mod">
+          <ac:chgData name="Gabriel Francato" userId="3af3e02e9cba9d2e" providerId="LiveId" clId="{983F37F2-E5EB-4BD1-97B2-4D1FCA9A9531}" dt="2017-09-06T02:36:39.357" v="913" actId="20577"/>
+          <ac:spMkLst>
+            <pc:docMk/>
+            <pc:sldMk cId="1582869447" sldId="274"/>
+            <ac:spMk id="4" creationId="{6DDCE82F-ACAF-4CC2-BC09-79A67C439AEA}"/>
           </ac:spMkLst>
         </pc:spChg>
         <pc:spChg chg="del">
@@ -414,7 +494,7 @@
           </ac:spMkLst>
         </pc:spChg>
         <pc:picChg chg="add del mod">
-          <ac:chgData name="Gabriel Francato" userId="3af3e02e9cba9d2e" providerId="LiveId" clId="{983F37F2-E5EB-4BD1-97B2-4D1FCA9A9531}" dt="2017-09-06T01:41:29.781" v="58"/>
+          <ac:chgData name="Gabriel Francato" userId="3af3e02e9cba9d2e" providerId="LiveId" clId="{983F37F2-E5EB-4BD1-97B2-4D1FCA9A9531}" dt="2017-09-06T01:41:29.781" v="58" actId="1076"/>
           <ac:picMkLst>
             <pc:docMk/>
             <pc:sldMk cId="1582869447" sldId="274"/>
@@ -422,7 +502,15 @@
           </ac:picMkLst>
         </pc:picChg>
         <pc:picChg chg="add mod">
-          <ac:chgData name="Gabriel Francato" userId="3af3e02e9cba9d2e" providerId="LiveId" clId="{983F37F2-E5EB-4BD1-97B2-4D1FCA9A9531}" dt="2017-09-06T01:41:51.835" v="62" actId="1076"/>
+          <ac:chgData name="Gabriel Francato" userId="3af3e02e9cba9d2e" providerId="LiveId" clId="{983F37F2-E5EB-4BD1-97B2-4D1FCA9A9531}" dt="2017-09-06T02:36:42.779" v="915" actId="1076"/>
+          <ac:picMkLst>
+            <pc:docMk/>
+            <pc:sldMk cId="1582869447" sldId="274"/>
+            <ac:picMk id="6" creationId="{953329C2-D73D-4E56-8D46-EA0E59CF932D}"/>
+          </ac:picMkLst>
+        </pc:picChg>
+        <pc:picChg chg="add del mod">
+          <ac:chgData name="Gabriel Francato" userId="3af3e02e9cba9d2e" providerId="LiveId" clId="{983F37F2-E5EB-4BD1-97B2-4D1FCA9A9531}" dt="2017-09-06T02:36:32.958" v="912" actId="478"/>
           <ac:picMkLst>
             <pc:docMk/>
             <pc:sldMk cId="1582869447" sldId="274"/>
@@ -431,20 +519,28 @@
         </pc:picChg>
       </pc:sldChg>
       <pc:sldChg chg="add del">
-        <pc:chgData name="Gabriel Francato" userId="3af3e02e9cba9d2e" providerId="LiveId" clId="{983F37F2-E5EB-4BD1-97B2-4D1FCA9A9531}" dt="2017-09-06T01:41:17.853" v="44"/>
+        <pc:chgData name="Gabriel Francato" userId="3af3e02e9cba9d2e" providerId="LiveId" clId="{983F37F2-E5EB-4BD1-97B2-4D1FCA9A9531}" dt="2017-09-06T01:41:17.853" v="44" actId="20577"/>
         <pc:sldMkLst>
           <pc:docMk/>
           <pc:sldMk cId="1887715859" sldId="275"/>
         </pc:sldMkLst>
       </pc:sldChg>
       <pc:sldChg chg="addSp delSp modSp add">
-        <pc:chgData name="Gabriel Francato" userId="3af3e02e9cba9d2e" providerId="LiveId" clId="{983F37F2-E5EB-4BD1-97B2-4D1FCA9A9531}" dt="2017-09-06T01:43:06.754" v="95" actId="1076"/>
+        <pc:chgData name="Gabriel Francato" userId="3af3e02e9cba9d2e" providerId="LiveId" clId="{983F37F2-E5EB-4BD1-97B2-4D1FCA9A9531}" dt="2017-09-06T02:36:06.798" v="896" actId="20577"/>
         <pc:sldMkLst>
           <pc:docMk/>
           <pc:sldMk cId="2548591654" sldId="275"/>
         </pc:sldMkLst>
+        <pc:spChg chg="mod">
+          <ac:chgData name="Gabriel Francato" userId="3af3e02e9cba9d2e" providerId="LiveId" clId="{983F37F2-E5EB-4BD1-97B2-4D1FCA9A9531}" dt="2017-09-06T02:36:06.798" v="896" actId="20577"/>
+          <ac:spMkLst>
+            <pc:docMk/>
+            <pc:sldMk cId="2548591654" sldId="275"/>
+            <ac:spMk id="2" creationId="{00000000-0000-0000-0000-000000000000}"/>
+          </ac:spMkLst>
+        </pc:spChg>
         <pc:spChg chg="del">
-          <ac:chgData name="Gabriel Francato" userId="3af3e02e9cba9d2e" providerId="LiveId" clId="{983F37F2-E5EB-4BD1-97B2-4D1FCA9A9531}" dt="2017-09-06T01:43:01.405" v="91"/>
+          <ac:chgData name="Gabriel Francato" userId="3af3e02e9cba9d2e" providerId="LiveId" clId="{983F37F2-E5EB-4BD1-97B2-4D1FCA9A9531}" dt="2017-09-06T01:43:01.405" v="91" actId="1076"/>
           <ac:spMkLst>
             <pc:docMk/>
             <pc:sldMk cId="2548591654" sldId="275"/>
@@ -469,20 +565,28 @@
         </pc:picChg>
       </pc:sldChg>
       <pc:sldChg chg="add del">
-        <pc:chgData name="Gabriel Francato" userId="3af3e02e9cba9d2e" providerId="LiveId" clId="{983F37F2-E5EB-4BD1-97B2-4D1FCA9A9531}" dt="2017-09-06T01:41:17.621" v="43"/>
+        <pc:chgData name="Gabriel Francato" userId="3af3e02e9cba9d2e" providerId="LiveId" clId="{983F37F2-E5EB-4BD1-97B2-4D1FCA9A9531}" dt="2017-09-06T01:41:17.621" v="43" actId="20577"/>
         <pc:sldMkLst>
           <pc:docMk/>
           <pc:sldMk cId="1087703772" sldId="276"/>
         </pc:sldMkLst>
       </pc:sldChg>
       <pc:sldChg chg="addSp delSp modSp add">
-        <pc:chgData name="Gabriel Francato" userId="3af3e02e9cba9d2e" providerId="LiveId" clId="{983F37F2-E5EB-4BD1-97B2-4D1FCA9A9531}" dt="2017-09-06T01:42:57.821" v="89" actId="1076"/>
+        <pc:chgData name="Gabriel Francato" userId="3af3e02e9cba9d2e" providerId="LiveId" clId="{983F37F2-E5EB-4BD1-97B2-4D1FCA9A9531}" dt="2017-09-06T02:36:01.179" v="887" actId="20577"/>
         <pc:sldMkLst>
           <pc:docMk/>
           <pc:sldMk cId="1518505288" sldId="276"/>
         </pc:sldMkLst>
+        <pc:spChg chg="mod">
+          <ac:chgData name="Gabriel Francato" userId="3af3e02e9cba9d2e" providerId="LiveId" clId="{983F37F2-E5EB-4BD1-97B2-4D1FCA9A9531}" dt="2017-09-06T02:36:01.179" v="887" actId="20577"/>
+          <ac:spMkLst>
+            <pc:docMk/>
+            <pc:sldMk cId="1518505288" sldId="276"/>
+            <ac:spMk id="2" creationId="{00000000-0000-0000-0000-000000000000}"/>
+          </ac:spMkLst>
+        </pc:spChg>
         <pc:spChg chg="del">
-          <ac:chgData name="Gabriel Francato" userId="3af3e02e9cba9d2e" providerId="LiveId" clId="{983F37F2-E5EB-4BD1-97B2-4D1FCA9A9531}" dt="2017-09-06T01:42:55.220" v="87"/>
+          <ac:chgData name="Gabriel Francato" userId="3af3e02e9cba9d2e" providerId="LiveId" clId="{983F37F2-E5EB-4BD1-97B2-4D1FCA9A9531}" dt="2017-09-06T01:42:55.220" v="87" actId="1076"/>
           <ac:spMkLst>
             <pc:docMk/>
             <pc:sldMk cId="1518505288" sldId="276"/>
@@ -507,20 +611,28 @@
         </pc:picChg>
       </pc:sldChg>
       <pc:sldChg chg="add del">
-        <pc:chgData name="Gabriel Francato" userId="3af3e02e9cba9d2e" providerId="LiveId" clId="{983F37F2-E5EB-4BD1-97B2-4D1FCA9A9531}" dt="2017-09-06T01:41:17.436" v="42"/>
+        <pc:chgData name="Gabriel Francato" userId="3af3e02e9cba9d2e" providerId="LiveId" clId="{983F37F2-E5EB-4BD1-97B2-4D1FCA9A9531}" dt="2017-09-06T01:41:17.436" v="42" actId="20577"/>
         <pc:sldMkLst>
           <pc:docMk/>
           <pc:sldMk cId="583777676" sldId="277"/>
         </pc:sldMkLst>
       </pc:sldChg>
       <pc:sldChg chg="addSp delSp modSp add">
-        <pc:chgData name="Gabriel Francato" userId="3af3e02e9cba9d2e" providerId="LiveId" clId="{983F37F2-E5EB-4BD1-97B2-4D1FCA9A9531}" dt="2017-09-06T01:42:50.324" v="84" actId="1076"/>
+        <pc:chgData name="Gabriel Francato" userId="3af3e02e9cba9d2e" providerId="LiveId" clId="{983F37F2-E5EB-4BD1-97B2-4D1FCA9A9531}" dt="2017-09-06T02:35:56.307" v="879" actId="20577"/>
         <pc:sldMkLst>
           <pc:docMk/>
           <pc:sldMk cId="861636191" sldId="277"/>
         </pc:sldMkLst>
+        <pc:spChg chg="mod">
+          <ac:chgData name="Gabriel Francato" userId="3af3e02e9cba9d2e" providerId="LiveId" clId="{983F37F2-E5EB-4BD1-97B2-4D1FCA9A9531}" dt="2017-09-06T02:35:56.307" v="879" actId="20577"/>
+          <ac:spMkLst>
+            <pc:docMk/>
+            <pc:sldMk cId="861636191" sldId="277"/>
+            <ac:spMk id="2" creationId="{00000000-0000-0000-0000-000000000000}"/>
+          </ac:spMkLst>
+        </pc:spChg>
         <pc:spChg chg="del">
-          <ac:chgData name="Gabriel Francato" userId="3af3e02e9cba9d2e" providerId="LiveId" clId="{983F37F2-E5EB-4BD1-97B2-4D1FCA9A9531}" dt="2017-09-06T01:42:47.980" v="82"/>
+          <ac:chgData name="Gabriel Francato" userId="3af3e02e9cba9d2e" providerId="LiveId" clId="{983F37F2-E5EB-4BD1-97B2-4D1FCA9A9531}" dt="2017-09-06T01:42:47.980" v="82" actId="1076"/>
           <ac:spMkLst>
             <pc:docMk/>
             <pc:sldMk cId="861636191" sldId="277"/>
@@ -631,7 +743,7 @@
           <a:p>
             <a:fld id="{57E6D55C-632C-4C26-90C9-29CD744DF66F}" type="datetimeFigureOut">
               <a:rPr lang="pt-BR" smtClean="0"/>
-              <a:t>05/09/2017</a:t>
+              <a:t>06/09/2017</a:t>
             </a:fld>
             <a:endParaRPr lang="pt-BR"/>
           </a:p>
@@ -1135,7 +1247,7 @@
           <a:p>
             <a:fld id="{DDD670B3-E2EA-4637-9A35-A3F69C814A4D}" type="datetimeFigureOut">
               <a:rPr lang="pt-BR" smtClean="0"/>
-              <a:t>05/09/2017</a:t>
+              <a:t>06/09/2017</a:t>
             </a:fld>
             <a:endParaRPr lang="pt-BR"/>
           </a:p>
@@ -1349,7 +1461,7 @@
           <a:p>
             <a:fld id="{DDD670B3-E2EA-4637-9A35-A3F69C814A4D}" type="datetimeFigureOut">
               <a:rPr lang="pt-BR" smtClean="0"/>
-              <a:t>05/09/2017</a:t>
+              <a:t>06/09/2017</a:t>
             </a:fld>
             <a:endParaRPr lang="pt-BR"/>
           </a:p>
@@ -1573,7 +1685,7 @@
           <a:p>
             <a:fld id="{DDD670B3-E2EA-4637-9A35-A3F69C814A4D}" type="datetimeFigureOut">
               <a:rPr lang="pt-BR" smtClean="0"/>
-              <a:t>05/09/2017</a:t>
+              <a:t>06/09/2017</a:t>
             </a:fld>
             <a:endParaRPr lang="pt-BR"/>
           </a:p>
@@ -1787,7 +1899,7 @@
           <a:p>
             <a:fld id="{DDD670B3-E2EA-4637-9A35-A3F69C814A4D}" type="datetimeFigureOut">
               <a:rPr lang="pt-BR" smtClean="0"/>
-              <a:t>05/09/2017</a:t>
+              <a:t>06/09/2017</a:t>
             </a:fld>
             <a:endParaRPr lang="pt-BR"/>
           </a:p>
@@ -2077,7 +2189,7 @@
           <a:p>
             <a:fld id="{DDD670B3-E2EA-4637-9A35-A3F69C814A4D}" type="datetimeFigureOut">
               <a:rPr lang="pt-BR" smtClean="0"/>
-              <a:t>05/09/2017</a:t>
+              <a:t>06/09/2017</a:t>
             </a:fld>
             <a:endParaRPr lang="pt-BR"/>
           </a:p>
@@ -2353,7 +2465,7 @@
           <a:p>
             <a:fld id="{DDD670B3-E2EA-4637-9A35-A3F69C814A4D}" type="datetimeFigureOut">
               <a:rPr lang="pt-BR" smtClean="0"/>
-              <a:t>05/09/2017</a:t>
+              <a:t>06/09/2017</a:t>
             </a:fld>
             <a:endParaRPr lang="pt-BR"/>
           </a:p>
@@ -2764,7 +2876,7 @@
           <a:p>
             <a:fld id="{DDD670B3-E2EA-4637-9A35-A3F69C814A4D}" type="datetimeFigureOut">
               <a:rPr lang="pt-BR" smtClean="0"/>
-              <a:t>05/09/2017</a:t>
+              <a:t>06/09/2017</a:t>
             </a:fld>
             <a:endParaRPr lang="pt-BR"/>
           </a:p>
@@ -2926,7 +3038,7 @@
           <a:p>
             <a:fld id="{DDD670B3-E2EA-4637-9A35-A3F69C814A4D}" type="datetimeFigureOut">
               <a:rPr lang="pt-BR" smtClean="0"/>
-              <a:t>05/09/2017</a:t>
+              <a:t>06/09/2017</a:t>
             </a:fld>
             <a:endParaRPr lang="pt-BR"/>
           </a:p>
@@ -3065,7 +3177,7 @@
           <a:p>
             <a:fld id="{DDD670B3-E2EA-4637-9A35-A3F69C814A4D}" type="datetimeFigureOut">
               <a:rPr lang="pt-BR" smtClean="0"/>
-              <a:t>05/09/2017</a:t>
+              <a:t>06/09/2017</a:t>
             </a:fld>
             <a:endParaRPr lang="pt-BR"/>
           </a:p>
@@ -3386,7 +3498,7 @@
           <a:p>
             <a:fld id="{DDD670B3-E2EA-4637-9A35-A3F69C814A4D}" type="datetimeFigureOut">
               <a:rPr lang="pt-BR" smtClean="0"/>
-              <a:t>05/09/2017</a:t>
+              <a:t>06/09/2017</a:t>
             </a:fld>
             <a:endParaRPr lang="pt-BR"/>
           </a:p>
@@ -3687,7 +3799,7 @@
           <a:p>
             <a:fld id="{DDD670B3-E2EA-4637-9A35-A3F69C814A4D}" type="datetimeFigureOut">
               <a:rPr lang="pt-BR" smtClean="0"/>
-              <a:t>05/09/2017</a:t>
+              <a:t>06/09/2017</a:t>
             </a:fld>
             <a:endParaRPr lang="pt-BR"/>
           </a:p>
@@ -3944,7 +4056,7 @@
           <a:p>
             <a:fld id="{DDD670B3-E2EA-4637-9A35-A3F69C814A4D}" type="datetimeFigureOut">
               <a:rPr lang="pt-BR" smtClean="0"/>
-              <a:t>05/09/2017</a:t>
+              <a:t>06/09/2017</a:t>
             </a:fld>
             <a:endParaRPr lang="pt-BR"/>
           </a:p>
@@ -4451,8 +4563,13 @@
             </a:r>
             <a:r>
               <a:rPr lang="pt-BR" sz="2800" dirty="0"/>
-              <a:t> da página Sobre Mim</a:t>
-            </a:r>
+              <a:t> da página Sobre Mim </a:t>
+            </a:r>
+            <a:r>
+              <a:rPr lang="pt-BR" sz="2800" dirty="0" err="1"/>
+              <a:t>matheus</a:t>
+            </a:r>
+            <a:endParaRPr lang="pt-BR" sz="2800" dirty="0"/>
           </a:p>
         </p:txBody>
       </p:sp>
@@ -4549,7 +4666,7 @@
             </a:r>
             <a:r>
               <a:rPr lang="pt-BR" sz="2800" dirty="0"/>
-              <a:t> da página Sobre Mim</a:t>
+              <a:t> da página Sobre Mim Vinicius</a:t>
             </a:r>
           </a:p>
         </p:txBody>
@@ -4660,13 +4777,13 @@
         </p:nvSpPr>
         <p:spPr>
           <a:xfrm>
-            <a:off x="379141" y="992459"/>
-            <a:ext cx="11385396" cy="5184504"/>
+            <a:off x="392393" y="1220788"/>
+            <a:ext cx="11385396" cy="5355328"/>
           </a:xfrm>
         </p:spPr>
         <p:txBody>
           <a:bodyPr>
-            <a:normAutofit lnSpcReduction="10000"/>
+            <a:normAutofit fontScale="70000" lnSpcReduction="20000"/>
           </a:bodyPr>
           <a:lstStyle/>
           <a:p>
@@ -4682,7 +4799,7 @@
             </a:r>
             <a:r>
               <a:rPr lang="pt-BR" dirty="0"/>
-              <a:t> MT</a:t>
+              <a:t> MT – Estilo Moderno, foi uma evolução no design do tipo romano</a:t>
             </a:r>
           </a:p>
           <a:p>
@@ -4723,8 +4840,57 @@
           <a:p>
             <a:r>
               <a:rPr lang="pt-BR" dirty="0"/>
+              <a:t>Ambiente azul favorece o exercício intelectual e tranquiliza</a:t>
+            </a:r>
+          </a:p>
+          <a:p>
+            <a:r>
+              <a:rPr lang="pt-BR" dirty="0"/>
+              <a:t>Serenidade.</a:t>
+            </a:r>
+          </a:p>
+          <a:p>
+            <a:r>
+              <a:rPr lang="pt-BR" dirty="0"/>
+              <a:t>Tranquilidade.</a:t>
+            </a:r>
+          </a:p>
+          <a:p>
+            <a:r>
+              <a:rPr lang="pt-BR" dirty="0"/>
+              <a:t>Harmonia.</a:t>
+            </a:r>
+          </a:p>
+          <a:p>
+            <a:r>
+              <a:rPr lang="pt-BR" dirty="0"/>
+              <a:t>(</a:t>
+            </a:r>
+            <a:r>
+              <a:rPr lang="pt-BR" dirty="0">
+                <a:hlinkClick r:id="rId2"/>
+              </a:rPr>
+              <a:t>https://www.significados.com.br/cor-azul/</a:t>
+            </a:r>
+            <a:r>
+              <a:rPr lang="pt-BR" dirty="0"/>
+              <a:t>)</a:t>
+            </a:r>
+          </a:p>
+          <a:p>
+            <a:r>
+              <a:rPr lang="pt-BR" dirty="0"/>
+              <a:t>Azul Facilita o pensamento estratégico.</a:t>
+            </a:r>
+          </a:p>
+          <a:p>
+            <a:r>
+              <a:rPr lang="pt-BR" dirty="0"/>
               <a:t>Foram escolhidas essas cores porque são cores suaves para os olhos e ao mesmo tempo chamam atenção de quem esta lendo. As cores estão sujeitas a alterações pois estamos estudando por alguns gradientes em certas localizações.</a:t>
             </a:r>
+          </a:p>
+          <a:p>
+            <a:endParaRPr lang="pt-BR" dirty="0"/>
           </a:p>
         </p:txBody>
       </p:sp>
@@ -5942,10 +6108,10 @@
       </p:sp>
       <p:pic>
         <p:nvPicPr>
-          <p:cNvPr id="6" name="Espaço Reservado para Conteúdo 5">
+          <p:cNvPr id="7" name="Espaço Reservado para Conteúdo 6">
             <a:extLst>
               <a:ext uri="{FF2B5EF4-FFF2-40B4-BE49-F238E27FC236}">
-                <a16:creationId xmlns:a16="http://schemas.microsoft.com/office/drawing/2014/main" id="{253A3C8A-01D2-4AF6-A6BA-D4716F459571}"/>
+                <a16:creationId xmlns:a16="http://schemas.microsoft.com/office/drawing/2014/main" id="{5A7E4684-810B-4528-B81A-270DA89643AC}"/>
               </a:ext>
             </a:extLst>
           </p:cNvPr>
@@ -5970,8 +6136,8 @@
         </p:blipFill>
         <p:spPr>
           <a:xfrm>
-            <a:off x="2056136" y="770123"/>
-            <a:ext cx="8511930" cy="5732779"/>
+            <a:off x="1831283" y="869429"/>
+            <a:ext cx="8592761" cy="5787219"/>
           </a:xfrm>
         </p:spPr>
       </p:pic>
@@ -6033,7 +6199,7 @@
             </a:r>
             <a:r>
               <a:rPr lang="pt-BR" sz="2800" dirty="0"/>
-              <a:t> da página de projeto</a:t>
+              <a:t> da página de projeto Carlos</a:t>
             </a:r>
           </a:p>
         </p:txBody>
@@ -6131,7 +6297,7 @@
             </a:r>
             <a:r>
               <a:rPr lang="pt-BR" sz="2800" dirty="0"/>
-              <a:t> da página de projeto</a:t>
+              <a:t> da página de projeto Gabriel</a:t>
             </a:r>
           </a:p>
         </p:txBody>
@@ -6229,7 +6395,7 @@
             </a:r>
             <a:r>
               <a:rPr lang="pt-BR" sz="2800" dirty="0"/>
-              <a:t> da página de projeto</a:t>
+              <a:t> da página de projeto Matheus</a:t>
             </a:r>
           </a:p>
         </p:txBody>
@@ -6327,7 +6493,7 @@
             </a:r>
             <a:r>
               <a:rPr lang="pt-BR" sz="2800" dirty="0"/>
-              <a:t> da página de projeto</a:t>
+              <a:t> da página de projeto Vinicius</a:t>
             </a:r>
           </a:p>
         </p:txBody>
@@ -6425,17 +6591,17 @@
             </a:r>
             <a:r>
               <a:rPr lang="pt-BR" sz="2800" dirty="0"/>
-              <a:t> da página Sobre Mim</a:t>
+              <a:t> da página Sobre Mim Carlos</a:t>
             </a:r>
           </a:p>
         </p:txBody>
       </p:sp>
       <p:pic>
         <p:nvPicPr>
-          <p:cNvPr id="10" name="Espaço Reservado para Conteúdo 9">
+          <p:cNvPr id="6" name="Espaço Reservado para Conteúdo 5">
             <a:extLst>
               <a:ext uri="{FF2B5EF4-FFF2-40B4-BE49-F238E27FC236}">
-                <a16:creationId xmlns:a16="http://schemas.microsoft.com/office/drawing/2014/main" id="{B0B47F7F-4787-4535-BB5B-06711B026905}"/>
+                <a16:creationId xmlns:a16="http://schemas.microsoft.com/office/drawing/2014/main" id="{F5AC868C-C7F7-43FE-A33D-1106C742370C}"/>
               </a:ext>
             </a:extLst>
           </p:cNvPr>
@@ -6460,8 +6626,8 @@
         </p:blipFill>
         <p:spPr>
           <a:xfrm>
-            <a:off x="2353457" y="964575"/>
-            <a:ext cx="7917320" cy="5332309"/>
+            <a:off x="2297338" y="1220788"/>
+            <a:ext cx="7358842" cy="4956175"/>
           </a:xfrm>
         </p:spPr>
       </p:pic>
@@ -6523,17 +6689,17 @@
             </a:r>
             <a:r>
               <a:rPr lang="pt-BR" sz="2800" dirty="0"/>
-              <a:t> da página Sobre Mim</a:t>
+              <a:t> da página Sobre Mim Gabriel</a:t>
             </a:r>
           </a:p>
         </p:txBody>
       </p:sp>
       <p:pic>
         <p:nvPicPr>
-          <p:cNvPr id="8" name="Espaço Reservado para Conteúdo 7">
+          <p:cNvPr id="6" name="Espaço Reservado para Conteúdo 5">
             <a:extLst>
               <a:ext uri="{FF2B5EF4-FFF2-40B4-BE49-F238E27FC236}">
-                <a16:creationId xmlns:a16="http://schemas.microsoft.com/office/drawing/2014/main" id="{BC3C4950-EA1D-4858-9D29-9BCF96206B87}"/>
+                <a16:creationId xmlns:a16="http://schemas.microsoft.com/office/drawing/2014/main" id="{953329C2-D73D-4E56-8D46-EA0E59CF932D}"/>
               </a:ext>
             </a:extLst>
           </p:cNvPr>
@@ -6558,8 +6724,8 @@
         </p:blipFill>
         <p:spPr>
           <a:xfrm>
-            <a:off x="2413411" y="869430"/>
-            <a:ext cx="7947305" cy="5352504"/>
+            <a:off x="2267583" y="1049311"/>
+            <a:ext cx="7613449" cy="5127652"/>
           </a:xfrm>
         </p:spPr>
       </p:pic>
